--- a/Presentacion del Trabajo de Titulacion.pptx
+++ b/Presentacion del Trabajo de Titulacion.pptx
@@ -7149,7 +7149,7 @@
         <a:bodyPr/>
         <a:lstStyle/>
         <a:p>
-          <a:endParaRPr lang="es-EC" sz="1800"/>
+          <a:endParaRPr lang="es-EC" sz="1800" dirty="0"/>
         </a:p>
       </dgm:t>
     </dgm:pt>
@@ -10936,7 +10936,7 @@
             </a:spcAft>
             <a:buChar char="•"/>
           </a:pPr>
-          <a:endParaRPr lang="es-EC" sz="1800" kern="1200"/>
+          <a:endParaRPr lang="es-EC" sz="1800" kern="1200" dirty="0"/>
         </a:p>
       </dsp:txBody>
       <dsp:txXfrm>
@@ -27443,7 +27443,7 @@
           <a:p>
             <a:fld id="{450628E1-B250-4866-9DEB-934F8FB31426}" type="datetimeFigureOut">
               <a:rPr lang="es-EC" smtClean="0"/>
-              <a:t>18/06/2023</a:t>
+              <a:t>19/08/2023</a:t>
             </a:fld>
             <a:endParaRPr lang="es-EC"/>
           </a:p>
@@ -27926,7 +27926,7 @@
           <a:p>
             <a:fld id="{847CAF39-2ED8-4D82-9E96-895FF9463798}" type="datetimeFigureOut">
               <a:rPr lang="en-US" smtClean="0"/>
-              <a:t>6/18/2023</a:t>
+              <a:t>8/19/2023</a:t>
             </a:fld>
             <a:endParaRPr lang="en-US"/>
           </a:p>
@@ -28096,7 +28096,7 @@
           <a:p>
             <a:fld id="{847CAF39-2ED8-4D82-9E96-895FF9463798}" type="datetimeFigureOut">
               <a:rPr lang="en-US" smtClean="0"/>
-              <a:t>6/18/2023</a:t>
+              <a:t>8/19/2023</a:t>
             </a:fld>
             <a:endParaRPr lang="en-US"/>
           </a:p>
@@ -28276,7 +28276,7 @@
           <a:p>
             <a:fld id="{847CAF39-2ED8-4D82-9E96-895FF9463798}" type="datetimeFigureOut">
               <a:rPr lang="en-US" smtClean="0"/>
-              <a:t>6/18/2023</a:t>
+              <a:t>8/19/2023</a:t>
             </a:fld>
             <a:endParaRPr lang="en-US"/>
           </a:p>
@@ -28446,7 +28446,7 @@
           <a:p>
             <a:fld id="{847CAF39-2ED8-4D82-9E96-895FF9463798}" type="datetimeFigureOut">
               <a:rPr lang="en-US" smtClean="0"/>
-              <a:t>6/18/2023</a:t>
+              <a:t>8/19/2023</a:t>
             </a:fld>
             <a:endParaRPr lang="en-US"/>
           </a:p>
@@ -28692,7 +28692,7 @@
           <a:p>
             <a:fld id="{847CAF39-2ED8-4D82-9E96-895FF9463798}" type="datetimeFigureOut">
               <a:rPr lang="en-US" smtClean="0"/>
-              <a:t>6/18/2023</a:t>
+              <a:t>8/19/2023</a:t>
             </a:fld>
             <a:endParaRPr lang="en-US"/>
           </a:p>
@@ -28924,7 +28924,7 @@
           <a:p>
             <a:fld id="{847CAF39-2ED8-4D82-9E96-895FF9463798}" type="datetimeFigureOut">
               <a:rPr lang="en-US" smtClean="0"/>
-              <a:t>6/18/2023</a:t>
+              <a:t>8/19/2023</a:t>
             </a:fld>
             <a:endParaRPr lang="en-US"/>
           </a:p>
@@ -29291,7 +29291,7 @@
           <a:p>
             <a:fld id="{847CAF39-2ED8-4D82-9E96-895FF9463798}" type="datetimeFigureOut">
               <a:rPr lang="en-US" smtClean="0"/>
-              <a:t>6/18/2023</a:t>
+              <a:t>8/19/2023</a:t>
             </a:fld>
             <a:endParaRPr lang="en-US"/>
           </a:p>
@@ -29409,7 +29409,7 @@
           <a:p>
             <a:fld id="{847CAF39-2ED8-4D82-9E96-895FF9463798}" type="datetimeFigureOut">
               <a:rPr lang="en-US" smtClean="0"/>
-              <a:t>6/18/2023</a:t>
+              <a:t>8/19/2023</a:t>
             </a:fld>
             <a:endParaRPr lang="en-US"/>
           </a:p>
@@ -29504,7 +29504,7 @@
           <a:p>
             <a:fld id="{847CAF39-2ED8-4D82-9E96-895FF9463798}" type="datetimeFigureOut">
               <a:rPr lang="en-US" smtClean="0"/>
-              <a:t>6/18/2023</a:t>
+              <a:t>8/19/2023</a:t>
             </a:fld>
             <a:endParaRPr lang="en-US"/>
           </a:p>
@@ -29781,7 +29781,7 @@
           <a:p>
             <a:fld id="{847CAF39-2ED8-4D82-9E96-895FF9463798}" type="datetimeFigureOut">
               <a:rPr lang="en-US" smtClean="0"/>
-              <a:t>6/18/2023</a:t>
+              <a:t>8/19/2023</a:t>
             </a:fld>
             <a:endParaRPr lang="en-US"/>
           </a:p>
@@ -30034,7 +30034,7 @@
           <a:p>
             <a:fld id="{847CAF39-2ED8-4D82-9E96-895FF9463798}" type="datetimeFigureOut">
               <a:rPr lang="en-US" smtClean="0"/>
-              <a:t>6/18/2023</a:t>
+              <a:t>8/19/2023</a:t>
             </a:fld>
             <a:endParaRPr lang="en-US"/>
           </a:p>
@@ -30247,7 +30247,7 @@
           <a:p>
             <a:fld id="{847CAF39-2ED8-4D82-9E96-895FF9463798}" type="datetimeFigureOut">
               <a:rPr lang="en-US" smtClean="0"/>
-              <a:t>6/18/2023</a:t>
+              <a:t>8/19/2023</a:t>
             </a:fld>
             <a:endParaRPr lang="en-US"/>
           </a:p>
@@ -30753,7 +30753,7 @@
           </a:prstGeom>
           <a:extLst>
             <a:ext uri="{FAA26D3D-D897-4be2-8F04-BA451C77F1D7}">
-              <ma14:placeholderFlag xmlns:wpc="http://schemas.microsoft.com/office/word/2010/wordprocessingCanvas" xmlns:cx="http://schemas.microsoft.com/office/drawing/2014/chartex" xmlns:mc="http://schemas.openxmlformats.org/markup-compatibility/2006" xmlns:m="http://schemas.openxmlformats.org/officeDocument/2006/math" xmlns:wp14="http://schemas.microsoft.com/office/word/2010/wordprocessingDrawing" xmlns:wp="http://schemas.openxmlformats.org/drawingml/2006/wordprocessingDrawing" xmlns:w14="http://schemas.microsoft.com/office/word/2010/wordml" xmlns:w15="http://schemas.microsoft.com/office/word/2012/wordml" xmlns:w16se="http://schemas.microsoft.com/office/word/2015/wordml/symex" xmlns:wpg="http://schemas.microsoft.com/office/word/2010/wordprocessingGroup" xmlns:wpi="http://schemas.microsoft.com/office/word/2010/wordprocessingInk" xmlns:wne="http://schemas.microsoft.com/office/word/2006/wordml" xmlns:wps="http://schemas.microsoft.com/office/word/2010/wordprocessingShape" xmlns:pic="http://schemas.openxmlformats.org/drawingml/2006/picture" xmlns:cx1="http://schemas.microsoft.com/office/drawing/2015/9/8/chartex" xmlns:cx2="http://schemas.microsoft.com/office/drawing/2015/10/21/chartex" xmlns:cx3="http://schemas.microsoft.com/office/drawing/2016/5/9/chartex" xmlns:cx4="http://schemas.microsoft.com/office/drawing/2016/5/10/chartex" xmlns:cx5="http://schemas.microsoft.com/office/drawing/2016/5/11/chartex" xmlns:cx6="http://schemas.microsoft.com/office/drawing/2016/5/12/chartex" xmlns:cx7="http://schemas.microsoft.com/office/drawing/2016/5/13/chartex" xmlns:cx8="http://schemas.microsoft.com/office/drawing/2016/5/14/chartex" xmlns:aink="http://schemas.microsoft.com/office/drawing/2016/ink" xmlns:am3d="http://schemas.microsoft.com/office/drawing/2017/model3d" xmlns:w16cex="http://schemas.microsoft.com/office/word/2018/wordml/cex" xmlns:w16cid="http://schemas.microsoft.com/office/word/2016/wordml/cid" xmlns:w16="http://schemas.microsoft.com/office/word/2018/wordml" xmlns:ma14="http://schemas.microsoft.com/office/mac/drawingml/2011/main" xmlns:w="http://schemas.openxmlformats.org/wordprocessingml/2006/main" xmlns:w10="urn:schemas-microsoft-com:office:word" xmlns:v="urn:schemas-microsoft-com:vml" xmlns:o="urn:schemas-microsoft-com:office:office" xmlns:mv="urn:schemas-microsoft-com:mac:vml" xmlns:mo="http://schemas.microsoft.com/office/mac/office/2008/main" xmlns="" xmlns:lc="http://schemas.openxmlformats.org/drawingml/2006/lockedCanvas" val="1"/>
+              <ma14:placeholderFlag xmlns:lc="http://schemas.openxmlformats.org/drawingml/2006/lockedCanvas" xmlns="" xmlns:mo="http://schemas.microsoft.com/office/mac/office/2008/main" xmlns:mv="urn:schemas-microsoft-com:mac:vml" xmlns:o="urn:schemas-microsoft-com:office:office" xmlns:v="urn:schemas-microsoft-com:vml" xmlns:w10="urn:schemas-microsoft-com:office:word" xmlns:w="http://schemas.openxmlformats.org/wordprocessingml/2006/main" xmlns:ma14="http://schemas.microsoft.com/office/mac/drawingml/2011/main" xmlns:w16="http://schemas.microsoft.com/office/word/2018/wordml" xmlns:w16cid="http://schemas.microsoft.com/office/word/2016/wordml/cid" xmlns:w16cex="http://schemas.microsoft.com/office/word/2018/wordml/cex" xmlns:am3d="http://schemas.microsoft.com/office/drawing/2017/model3d" xmlns:aink="http://schemas.microsoft.com/office/drawing/2016/ink" xmlns:cx8="http://schemas.microsoft.com/office/drawing/2016/5/14/chartex" xmlns:cx7="http://schemas.microsoft.com/office/drawing/2016/5/13/chartex" xmlns:cx6="http://schemas.microsoft.com/office/drawing/2016/5/12/chartex" xmlns:cx5="http://schemas.microsoft.com/office/drawing/2016/5/11/chartex" xmlns:cx4="http://schemas.microsoft.com/office/drawing/2016/5/10/chartex" xmlns:cx3="http://schemas.microsoft.com/office/drawing/2016/5/9/chartex" xmlns:cx2="http://schemas.microsoft.com/office/drawing/2015/10/21/chartex" xmlns:cx1="http://schemas.microsoft.com/office/drawing/2015/9/8/chartex" xmlns:pic="http://schemas.openxmlformats.org/drawingml/2006/picture" xmlns:wps="http://schemas.microsoft.com/office/word/2010/wordprocessingShape" xmlns:wne="http://schemas.microsoft.com/office/word/2006/wordml" xmlns:wpi="http://schemas.microsoft.com/office/word/2010/wordprocessingInk" xmlns:wpg="http://schemas.microsoft.com/office/word/2010/wordprocessingGroup" xmlns:w16se="http://schemas.microsoft.com/office/word/2015/wordml/symex" xmlns:w15="http://schemas.microsoft.com/office/word/2012/wordml" xmlns:w14="http://schemas.microsoft.com/office/word/2010/wordml" xmlns:wp="http://schemas.openxmlformats.org/drawingml/2006/wordprocessingDrawing" xmlns:wp14="http://schemas.microsoft.com/office/word/2010/wordprocessingDrawing" xmlns:m="http://schemas.openxmlformats.org/officeDocument/2006/math" xmlns:mc="http://schemas.openxmlformats.org/markup-compatibility/2006" xmlns:cx="http://schemas.microsoft.com/office/drawing/2014/chartex" xmlns:wpc="http://schemas.microsoft.com/office/word/2010/wordprocessingCanvas" val="1"/>
             </a:ext>
           </a:extLst>
         </p:spPr>
@@ -30886,7 +30886,7 @@
                 <a:latin typeface="Arial" panose="020B0604020202020204" pitchFamily="34" charset="0"/>
                 <a:cs typeface="Arial" panose="020B0604020202020204" pitchFamily="34" charset="0"/>
               </a:rPr>
-              <a:t>05 de agosto de 2020</a:t>
+              <a:t>05 de agosto de 2023</a:t>
             </a:r>
             <a:endParaRPr lang="en-US" sz="2000" dirty="0">
               <a:solidFill>
@@ -31029,7 +31029,7 @@
           </a:prstGeom>
           <a:extLst>
             <a:ext uri="{FAA26D3D-D897-4be2-8F04-BA451C77F1D7}">
-              <ma14:placeholderFlag xmlns:wpc="http://schemas.microsoft.com/office/word/2010/wordprocessingCanvas" xmlns:cx="http://schemas.microsoft.com/office/drawing/2014/chartex" xmlns:mc="http://schemas.openxmlformats.org/markup-compatibility/2006" xmlns:m="http://schemas.openxmlformats.org/officeDocument/2006/math" xmlns:wp14="http://schemas.microsoft.com/office/word/2010/wordprocessingDrawing" xmlns:wp="http://schemas.openxmlformats.org/drawingml/2006/wordprocessingDrawing" xmlns:w14="http://schemas.microsoft.com/office/word/2010/wordml" xmlns:w15="http://schemas.microsoft.com/office/word/2012/wordml" xmlns:w16se="http://schemas.microsoft.com/office/word/2015/wordml/symex" xmlns:wpg="http://schemas.microsoft.com/office/word/2010/wordprocessingGroup" xmlns:wpi="http://schemas.microsoft.com/office/word/2010/wordprocessingInk" xmlns:wne="http://schemas.microsoft.com/office/word/2006/wordml" xmlns:wps="http://schemas.microsoft.com/office/word/2010/wordprocessingShape" xmlns:pic="http://schemas.openxmlformats.org/drawingml/2006/picture" xmlns:cx1="http://schemas.microsoft.com/office/drawing/2015/9/8/chartex" xmlns:cx2="http://schemas.microsoft.com/office/drawing/2015/10/21/chartex" xmlns:cx3="http://schemas.microsoft.com/office/drawing/2016/5/9/chartex" xmlns:cx4="http://schemas.microsoft.com/office/drawing/2016/5/10/chartex" xmlns:cx5="http://schemas.microsoft.com/office/drawing/2016/5/11/chartex" xmlns:cx6="http://schemas.microsoft.com/office/drawing/2016/5/12/chartex" xmlns:cx7="http://schemas.microsoft.com/office/drawing/2016/5/13/chartex" xmlns:cx8="http://schemas.microsoft.com/office/drawing/2016/5/14/chartex" xmlns:aink="http://schemas.microsoft.com/office/drawing/2016/ink" xmlns:am3d="http://schemas.microsoft.com/office/drawing/2017/model3d" xmlns:w16cex="http://schemas.microsoft.com/office/word/2018/wordml/cex" xmlns:w16cid="http://schemas.microsoft.com/office/word/2016/wordml/cid" xmlns:w16="http://schemas.microsoft.com/office/word/2018/wordml" xmlns:ma14="http://schemas.microsoft.com/office/mac/drawingml/2011/main" xmlns:w="http://schemas.openxmlformats.org/wordprocessingml/2006/main" xmlns:w10="urn:schemas-microsoft-com:office:word" xmlns:v="urn:schemas-microsoft-com:vml" xmlns:o="urn:schemas-microsoft-com:office:office" xmlns:mv="urn:schemas-microsoft-com:mac:vml" xmlns:mo="http://schemas.microsoft.com/office/mac/office/2008/main" xmlns="" xmlns:lc="http://schemas.openxmlformats.org/drawingml/2006/lockedCanvas" val="1"/>
+              <ma14:placeholderFlag xmlns:lc="http://schemas.openxmlformats.org/drawingml/2006/lockedCanvas" xmlns="" xmlns:mo="http://schemas.microsoft.com/office/mac/office/2008/main" xmlns:mv="urn:schemas-microsoft-com:mac:vml" xmlns:o="urn:schemas-microsoft-com:office:office" xmlns:v="urn:schemas-microsoft-com:vml" xmlns:w10="urn:schemas-microsoft-com:office:word" xmlns:w="http://schemas.openxmlformats.org/wordprocessingml/2006/main" xmlns:ma14="http://schemas.microsoft.com/office/mac/drawingml/2011/main" xmlns:w16="http://schemas.microsoft.com/office/word/2018/wordml" xmlns:w16cid="http://schemas.microsoft.com/office/word/2016/wordml/cid" xmlns:w16cex="http://schemas.microsoft.com/office/word/2018/wordml/cex" xmlns:am3d="http://schemas.microsoft.com/office/drawing/2017/model3d" xmlns:aink="http://schemas.microsoft.com/office/drawing/2016/ink" xmlns:cx8="http://schemas.microsoft.com/office/drawing/2016/5/14/chartex" xmlns:cx7="http://schemas.microsoft.com/office/drawing/2016/5/13/chartex" xmlns:cx6="http://schemas.microsoft.com/office/drawing/2016/5/12/chartex" xmlns:cx5="http://schemas.microsoft.com/office/drawing/2016/5/11/chartex" xmlns:cx4="http://schemas.microsoft.com/office/drawing/2016/5/10/chartex" xmlns:cx3="http://schemas.microsoft.com/office/drawing/2016/5/9/chartex" xmlns:cx2="http://schemas.microsoft.com/office/drawing/2015/10/21/chartex" xmlns:cx1="http://schemas.microsoft.com/office/drawing/2015/9/8/chartex" xmlns:pic="http://schemas.openxmlformats.org/drawingml/2006/picture" xmlns:wps="http://schemas.microsoft.com/office/word/2010/wordprocessingShape" xmlns:wne="http://schemas.microsoft.com/office/word/2006/wordml" xmlns:wpi="http://schemas.microsoft.com/office/word/2010/wordprocessingInk" xmlns:wpg="http://schemas.microsoft.com/office/word/2010/wordprocessingGroup" xmlns:w16se="http://schemas.microsoft.com/office/word/2015/wordml/symex" xmlns:w15="http://schemas.microsoft.com/office/word/2012/wordml" xmlns:w14="http://schemas.microsoft.com/office/word/2010/wordml" xmlns:wp="http://schemas.openxmlformats.org/drawingml/2006/wordprocessingDrawing" xmlns:wp14="http://schemas.microsoft.com/office/word/2010/wordprocessingDrawing" xmlns:m="http://schemas.openxmlformats.org/officeDocument/2006/math" xmlns:mc="http://schemas.openxmlformats.org/markup-compatibility/2006" xmlns:cx="http://schemas.microsoft.com/office/drawing/2014/chartex" xmlns:wpc="http://schemas.microsoft.com/office/word/2010/wordprocessingCanvas" val="1"/>
             </a:ext>
           </a:extLst>
         </p:spPr>
@@ -31212,7 +31212,7 @@
           </a:prstGeom>
           <a:extLst>
             <a:ext uri="{FAA26D3D-D897-4be2-8F04-BA451C77F1D7}">
-              <ma14:placeholderFlag xmlns:lc="http://schemas.openxmlformats.org/drawingml/2006/lockedCanvas" xmlns="" xmlns:mo="http://schemas.microsoft.com/office/mac/office/2008/main" xmlns:mv="urn:schemas-microsoft-com:mac:vml" xmlns:o="urn:schemas-microsoft-com:office:office" xmlns:v="urn:schemas-microsoft-com:vml" xmlns:w10="urn:schemas-microsoft-com:office:word" xmlns:w="http://schemas.openxmlformats.org/wordprocessingml/2006/main" xmlns:ma14="http://schemas.microsoft.com/office/mac/drawingml/2011/main" xmlns:w16="http://schemas.microsoft.com/office/word/2018/wordml" xmlns:w16cid="http://schemas.microsoft.com/office/word/2016/wordml/cid" xmlns:w16cex="http://schemas.microsoft.com/office/word/2018/wordml/cex" xmlns:am3d="http://schemas.microsoft.com/office/drawing/2017/model3d" xmlns:aink="http://schemas.microsoft.com/office/drawing/2016/ink" xmlns:cx8="http://schemas.microsoft.com/office/drawing/2016/5/14/chartex" xmlns:cx7="http://schemas.microsoft.com/office/drawing/2016/5/13/chartex" xmlns:cx6="http://schemas.microsoft.com/office/drawing/2016/5/12/chartex" xmlns:cx5="http://schemas.microsoft.com/office/drawing/2016/5/11/chartex" xmlns:cx4="http://schemas.microsoft.com/office/drawing/2016/5/10/chartex" xmlns:cx3="http://schemas.microsoft.com/office/drawing/2016/5/9/chartex" xmlns:cx2="http://schemas.microsoft.com/office/drawing/2015/10/21/chartex" xmlns:cx1="http://schemas.microsoft.com/office/drawing/2015/9/8/chartex" xmlns:pic="http://schemas.openxmlformats.org/drawingml/2006/picture" xmlns:wps="http://schemas.microsoft.com/office/word/2010/wordprocessingShape" xmlns:wne="http://schemas.microsoft.com/office/word/2006/wordml" xmlns:wpi="http://schemas.microsoft.com/office/word/2010/wordprocessingInk" xmlns:wpg="http://schemas.microsoft.com/office/word/2010/wordprocessingGroup" xmlns:w16se="http://schemas.microsoft.com/office/word/2015/wordml/symex" xmlns:w15="http://schemas.microsoft.com/office/word/2012/wordml" xmlns:w14="http://schemas.microsoft.com/office/word/2010/wordml" xmlns:wp="http://schemas.openxmlformats.org/drawingml/2006/wordprocessingDrawing" xmlns:wp14="http://schemas.microsoft.com/office/word/2010/wordprocessingDrawing" xmlns:m="http://schemas.openxmlformats.org/officeDocument/2006/math" xmlns:mc="http://schemas.openxmlformats.org/markup-compatibility/2006" xmlns:cx="http://schemas.microsoft.com/office/drawing/2014/chartex" xmlns:wpc="http://schemas.microsoft.com/office/word/2010/wordprocessingCanvas" val="1"/>
+              <ma14:placeholderFlag xmlns:wpc="http://schemas.microsoft.com/office/word/2010/wordprocessingCanvas" xmlns:cx="http://schemas.microsoft.com/office/drawing/2014/chartex" xmlns:mc="http://schemas.openxmlformats.org/markup-compatibility/2006" xmlns:m="http://schemas.openxmlformats.org/officeDocument/2006/math" xmlns:wp14="http://schemas.microsoft.com/office/word/2010/wordprocessingDrawing" xmlns:wp="http://schemas.openxmlformats.org/drawingml/2006/wordprocessingDrawing" xmlns:w14="http://schemas.microsoft.com/office/word/2010/wordml" xmlns:w15="http://schemas.microsoft.com/office/word/2012/wordml" xmlns:w16se="http://schemas.microsoft.com/office/word/2015/wordml/symex" xmlns:wpg="http://schemas.microsoft.com/office/word/2010/wordprocessingGroup" xmlns:wpi="http://schemas.microsoft.com/office/word/2010/wordprocessingInk" xmlns:wne="http://schemas.microsoft.com/office/word/2006/wordml" xmlns:wps="http://schemas.microsoft.com/office/word/2010/wordprocessingShape" xmlns:pic="http://schemas.openxmlformats.org/drawingml/2006/picture" xmlns:cx1="http://schemas.microsoft.com/office/drawing/2015/9/8/chartex" xmlns:cx2="http://schemas.microsoft.com/office/drawing/2015/10/21/chartex" xmlns:cx3="http://schemas.microsoft.com/office/drawing/2016/5/9/chartex" xmlns:cx4="http://schemas.microsoft.com/office/drawing/2016/5/10/chartex" xmlns:cx5="http://schemas.microsoft.com/office/drawing/2016/5/11/chartex" xmlns:cx6="http://schemas.microsoft.com/office/drawing/2016/5/12/chartex" xmlns:cx7="http://schemas.microsoft.com/office/drawing/2016/5/13/chartex" xmlns:cx8="http://schemas.microsoft.com/office/drawing/2016/5/14/chartex" xmlns:aink="http://schemas.microsoft.com/office/drawing/2016/ink" xmlns:am3d="http://schemas.microsoft.com/office/drawing/2017/model3d" xmlns:w16cex="http://schemas.microsoft.com/office/word/2018/wordml/cex" xmlns:w16cid="http://schemas.microsoft.com/office/word/2016/wordml/cid" xmlns:w16="http://schemas.microsoft.com/office/word/2018/wordml" xmlns:ma14="http://schemas.microsoft.com/office/mac/drawingml/2011/main" xmlns:w="http://schemas.openxmlformats.org/wordprocessingml/2006/main" xmlns:w10="urn:schemas-microsoft-com:office:word" xmlns:v="urn:schemas-microsoft-com:vml" xmlns:o="urn:schemas-microsoft-com:office:office" xmlns:mv="urn:schemas-microsoft-com:mac:vml" xmlns:mo="http://schemas.microsoft.com/office/mac/office/2008/main" xmlns="" xmlns:lc="http://schemas.openxmlformats.org/drawingml/2006/lockedCanvas" val="1"/>
             </a:ext>
           </a:extLst>
         </p:spPr>
@@ -31459,7 +31459,7 @@
           </a:prstGeom>
           <a:extLst>
             <a:ext uri="{FAA26D3D-D897-4be2-8F04-BA451C77F1D7}">
-              <ma14:placeholderFlag xmlns:wpc="http://schemas.microsoft.com/office/word/2010/wordprocessingCanvas" xmlns:cx="http://schemas.microsoft.com/office/drawing/2014/chartex" xmlns:mc="http://schemas.openxmlformats.org/markup-compatibility/2006" xmlns:m="http://schemas.openxmlformats.org/officeDocument/2006/math" xmlns:wp14="http://schemas.microsoft.com/office/word/2010/wordprocessingDrawing" xmlns:wp="http://schemas.openxmlformats.org/drawingml/2006/wordprocessingDrawing" xmlns:w14="http://schemas.microsoft.com/office/word/2010/wordml" xmlns:w15="http://schemas.microsoft.com/office/word/2012/wordml" xmlns:w16se="http://schemas.microsoft.com/office/word/2015/wordml/symex" xmlns:wpg="http://schemas.microsoft.com/office/word/2010/wordprocessingGroup" xmlns:wpi="http://schemas.microsoft.com/office/word/2010/wordprocessingInk" xmlns:wne="http://schemas.microsoft.com/office/word/2006/wordml" xmlns:wps="http://schemas.microsoft.com/office/word/2010/wordprocessingShape" xmlns:pic="http://schemas.openxmlformats.org/drawingml/2006/picture" xmlns:cx1="http://schemas.microsoft.com/office/drawing/2015/9/8/chartex" xmlns:cx2="http://schemas.microsoft.com/office/drawing/2015/10/21/chartex" xmlns:cx3="http://schemas.microsoft.com/office/drawing/2016/5/9/chartex" xmlns:cx4="http://schemas.microsoft.com/office/drawing/2016/5/10/chartex" xmlns:cx5="http://schemas.microsoft.com/office/drawing/2016/5/11/chartex" xmlns:cx6="http://schemas.microsoft.com/office/drawing/2016/5/12/chartex" xmlns:cx7="http://schemas.microsoft.com/office/drawing/2016/5/13/chartex" xmlns:cx8="http://schemas.microsoft.com/office/drawing/2016/5/14/chartex" xmlns:aink="http://schemas.microsoft.com/office/drawing/2016/ink" xmlns:am3d="http://schemas.microsoft.com/office/drawing/2017/model3d" xmlns:w16cex="http://schemas.microsoft.com/office/word/2018/wordml/cex" xmlns:w16cid="http://schemas.microsoft.com/office/word/2016/wordml/cid" xmlns:w16="http://schemas.microsoft.com/office/word/2018/wordml" xmlns:ma14="http://schemas.microsoft.com/office/mac/drawingml/2011/main" xmlns:w="http://schemas.openxmlformats.org/wordprocessingml/2006/main" xmlns:w10="urn:schemas-microsoft-com:office:word" xmlns:v="urn:schemas-microsoft-com:vml" xmlns:o="urn:schemas-microsoft-com:office:office" xmlns:mv="urn:schemas-microsoft-com:mac:vml" xmlns:mo="http://schemas.microsoft.com/office/mac/office/2008/main" xmlns="" xmlns:lc="http://schemas.openxmlformats.org/drawingml/2006/lockedCanvas" val="1"/>
+              <ma14:placeholderFlag xmlns:lc="http://schemas.openxmlformats.org/drawingml/2006/lockedCanvas" xmlns="" xmlns:mo="http://schemas.microsoft.com/office/mac/office/2008/main" xmlns:mv="urn:schemas-microsoft-com:mac:vml" xmlns:o="urn:schemas-microsoft-com:office:office" xmlns:v="urn:schemas-microsoft-com:vml" xmlns:w10="urn:schemas-microsoft-com:office:word" xmlns:w="http://schemas.openxmlformats.org/wordprocessingml/2006/main" xmlns:ma14="http://schemas.microsoft.com/office/mac/drawingml/2011/main" xmlns:w16="http://schemas.microsoft.com/office/word/2018/wordml" xmlns:w16cid="http://schemas.microsoft.com/office/word/2016/wordml/cid" xmlns:w16cex="http://schemas.microsoft.com/office/word/2018/wordml/cex" xmlns:am3d="http://schemas.microsoft.com/office/drawing/2017/model3d" xmlns:aink="http://schemas.microsoft.com/office/drawing/2016/ink" xmlns:cx8="http://schemas.microsoft.com/office/drawing/2016/5/14/chartex" xmlns:cx7="http://schemas.microsoft.com/office/drawing/2016/5/13/chartex" xmlns:cx6="http://schemas.microsoft.com/office/drawing/2016/5/12/chartex" xmlns:cx5="http://schemas.microsoft.com/office/drawing/2016/5/11/chartex" xmlns:cx4="http://schemas.microsoft.com/office/drawing/2016/5/10/chartex" xmlns:cx3="http://schemas.microsoft.com/office/drawing/2016/5/9/chartex" xmlns:cx2="http://schemas.microsoft.com/office/drawing/2015/10/21/chartex" xmlns:cx1="http://schemas.microsoft.com/office/drawing/2015/9/8/chartex" xmlns:pic="http://schemas.openxmlformats.org/drawingml/2006/picture" xmlns:wps="http://schemas.microsoft.com/office/word/2010/wordprocessingShape" xmlns:wne="http://schemas.microsoft.com/office/word/2006/wordml" xmlns:wpi="http://schemas.microsoft.com/office/word/2010/wordprocessingInk" xmlns:wpg="http://schemas.microsoft.com/office/word/2010/wordprocessingGroup" xmlns:w16se="http://schemas.microsoft.com/office/word/2015/wordml/symex" xmlns:w15="http://schemas.microsoft.com/office/word/2012/wordml" xmlns:w14="http://schemas.microsoft.com/office/word/2010/wordml" xmlns:wp="http://schemas.openxmlformats.org/drawingml/2006/wordprocessingDrawing" xmlns:wp14="http://schemas.microsoft.com/office/word/2010/wordprocessingDrawing" xmlns:m="http://schemas.openxmlformats.org/officeDocument/2006/math" xmlns:mc="http://schemas.openxmlformats.org/markup-compatibility/2006" xmlns:cx="http://schemas.microsoft.com/office/drawing/2014/chartex" xmlns:wpc="http://schemas.microsoft.com/office/word/2010/wordprocessingCanvas" val="1"/>
             </a:ext>
           </a:extLst>
         </p:spPr>
@@ -31642,7 +31642,7 @@
           </a:prstGeom>
           <a:extLst>
             <a:ext uri="{FAA26D3D-D897-4be2-8F04-BA451C77F1D7}">
-              <ma14:placeholderFlag xmlns:wpc="http://schemas.microsoft.com/office/word/2010/wordprocessingCanvas" xmlns:cx="http://schemas.microsoft.com/office/drawing/2014/chartex" xmlns:mc="http://schemas.openxmlformats.org/markup-compatibility/2006" xmlns:m="http://schemas.openxmlformats.org/officeDocument/2006/math" xmlns:wp14="http://schemas.microsoft.com/office/word/2010/wordprocessingDrawing" xmlns:wp="http://schemas.openxmlformats.org/drawingml/2006/wordprocessingDrawing" xmlns:w14="http://schemas.microsoft.com/office/word/2010/wordml" xmlns:w15="http://schemas.microsoft.com/office/word/2012/wordml" xmlns:w16se="http://schemas.microsoft.com/office/word/2015/wordml/symex" xmlns:wpg="http://schemas.microsoft.com/office/word/2010/wordprocessingGroup" xmlns:wpi="http://schemas.microsoft.com/office/word/2010/wordprocessingInk" xmlns:wne="http://schemas.microsoft.com/office/word/2006/wordml" xmlns:wps="http://schemas.microsoft.com/office/word/2010/wordprocessingShape" xmlns:pic="http://schemas.openxmlformats.org/drawingml/2006/picture" xmlns:cx1="http://schemas.microsoft.com/office/drawing/2015/9/8/chartex" xmlns:cx2="http://schemas.microsoft.com/office/drawing/2015/10/21/chartex" xmlns:cx3="http://schemas.microsoft.com/office/drawing/2016/5/9/chartex" xmlns:cx4="http://schemas.microsoft.com/office/drawing/2016/5/10/chartex" xmlns:cx5="http://schemas.microsoft.com/office/drawing/2016/5/11/chartex" xmlns:cx6="http://schemas.microsoft.com/office/drawing/2016/5/12/chartex" xmlns:cx7="http://schemas.microsoft.com/office/drawing/2016/5/13/chartex" xmlns:cx8="http://schemas.microsoft.com/office/drawing/2016/5/14/chartex" xmlns:aink="http://schemas.microsoft.com/office/drawing/2016/ink" xmlns:am3d="http://schemas.microsoft.com/office/drawing/2017/model3d" xmlns:w16cex="http://schemas.microsoft.com/office/word/2018/wordml/cex" xmlns:w16cid="http://schemas.microsoft.com/office/word/2016/wordml/cid" xmlns:w16="http://schemas.microsoft.com/office/word/2018/wordml" xmlns:ma14="http://schemas.microsoft.com/office/mac/drawingml/2011/main" xmlns:w="http://schemas.openxmlformats.org/wordprocessingml/2006/main" xmlns:w10="urn:schemas-microsoft-com:office:word" xmlns:v="urn:schemas-microsoft-com:vml" xmlns:o="urn:schemas-microsoft-com:office:office" xmlns:mv="urn:schemas-microsoft-com:mac:vml" xmlns:mo="http://schemas.microsoft.com/office/mac/office/2008/main" xmlns="" xmlns:lc="http://schemas.openxmlformats.org/drawingml/2006/lockedCanvas" val="1"/>
+              <ma14:placeholderFlag xmlns:lc="http://schemas.openxmlformats.org/drawingml/2006/lockedCanvas" xmlns="" xmlns:mo="http://schemas.microsoft.com/office/mac/office/2008/main" xmlns:mv="urn:schemas-microsoft-com:mac:vml" xmlns:o="urn:schemas-microsoft-com:office:office" xmlns:v="urn:schemas-microsoft-com:vml" xmlns:w10="urn:schemas-microsoft-com:office:word" xmlns:w="http://schemas.openxmlformats.org/wordprocessingml/2006/main" xmlns:ma14="http://schemas.microsoft.com/office/mac/drawingml/2011/main" xmlns:w16="http://schemas.microsoft.com/office/word/2018/wordml" xmlns:w16cid="http://schemas.microsoft.com/office/word/2016/wordml/cid" xmlns:w16cex="http://schemas.microsoft.com/office/word/2018/wordml/cex" xmlns:am3d="http://schemas.microsoft.com/office/drawing/2017/model3d" xmlns:aink="http://schemas.microsoft.com/office/drawing/2016/ink" xmlns:cx8="http://schemas.microsoft.com/office/drawing/2016/5/14/chartex" xmlns:cx7="http://schemas.microsoft.com/office/drawing/2016/5/13/chartex" xmlns:cx6="http://schemas.microsoft.com/office/drawing/2016/5/12/chartex" xmlns:cx5="http://schemas.microsoft.com/office/drawing/2016/5/11/chartex" xmlns:cx4="http://schemas.microsoft.com/office/drawing/2016/5/10/chartex" xmlns:cx3="http://schemas.microsoft.com/office/drawing/2016/5/9/chartex" xmlns:cx2="http://schemas.microsoft.com/office/drawing/2015/10/21/chartex" xmlns:cx1="http://schemas.microsoft.com/office/drawing/2015/9/8/chartex" xmlns:pic="http://schemas.openxmlformats.org/drawingml/2006/picture" xmlns:wps="http://schemas.microsoft.com/office/word/2010/wordprocessingShape" xmlns:wne="http://schemas.microsoft.com/office/word/2006/wordml" xmlns:wpi="http://schemas.microsoft.com/office/word/2010/wordprocessingInk" xmlns:wpg="http://schemas.microsoft.com/office/word/2010/wordprocessingGroup" xmlns:w16se="http://schemas.microsoft.com/office/word/2015/wordml/symex" xmlns:w15="http://schemas.microsoft.com/office/word/2012/wordml" xmlns:w14="http://schemas.microsoft.com/office/word/2010/wordml" xmlns:wp="http://schemas.openxmlformats.org/drawingml/2006/wordprocessingDrawing" xmlns:wp14="http://schemas.microsoft.com/office/word/2010/wordprocessingDrawing" xmlns:m="http://schemas.openxmlformats.org/officeDocument/2006/math" xmlns:mc="http://schemas.openxmlformats.org/markup-compatibility/2006" xmlns:cx="http://schemas.microsoft.com/office/drawing/2014/chartex" xmlns:wpc="http://schemas.microsoft.com/office/word/2010/wordprocessingCanvas" val="1"/>
             </a:ext>
           </a:extLst>
         </p:spPr>
@@ -31842,7 +31842,7 @@
           </a:prstGeom>
           <a:extLst>
             <a:ext uri="{FAA26D3D-D897-4be2-8F04-BA451C77F1D7}">
-              <ma14:placeholderFlag xmlns:wpc="http://schemas.microsoft.com/office/word/2010/wordprocessingCanvas" xmlns:cx="http://schemas.microsoft.com/office/drawing/2014/chartex" xmlns:mc="http://schemas.openxmlformats.org/markup-compatibility/2006" xmlns:m="http://schemas.openxmlformats.org/officeDocument/2006/math" xmlns:wp14="http://schemas.microsoft.com/office/word/2010/wordprocessingDrawing" xmlns:wp="http://schemas.openxmlformats.org/drawingml/2006/wordprocessingDrawing" xmlns:w14="http://schemas.microsoft.com/office/word/2010/wordml" xmlns:w15="http://schemas.microsoft.com/office/word/2012/wordml" xmlns:w16se="http://schemas.microsoft.com/office/word/2015/wordml/symex" xmlns:wpg="http://schemas.microsoft.com/office/word/2010/wordprocessingGroup" xmlns:wpi="http://schemas.microsoft.com/office/word/2010/wordprocessingInk" xmlns:wne="http://schemas.microsoft.com/office/word/2006/wordml" xmlns:wps="http://schemas.microsoft.com/office/word/2010/wordprocessingShape" xmlns:pic="http://schemas.openxmlformats.org/drawingml/2006/picture" xmlns:cx1="http://schemas.microsoft.com/office/drawing/2015/9/8/chartex" xmlns:cx2="http://schemas.microsoft.com/office/drawing/2015/10/21/chartex" xmlns:cx3="http://schemas.microsoft.com/office/drawing/2016/5/9/chartex" xmlns:cx4="http://schemas.microsoft.com/office/drawing/2016/5/10/chartex" xmlns:cx5="http://schemas.microsoft.com/office/drawing/2016/5/11/chartex" xmlns:cx6="http://schemas.microsoft.com/office/drawing/2016/5/12/chartex" xmlns:cx7="http://schemas.microsoft.com/office/drawing/2016/5/13/chartex" xmlns:cx8="http://schemas.microsoft.com/office/drawing/2016/5/14/chartex" xmlns:aink="http://schemas.microsoft.com/office/drawing/2016/ink" xmlns:am3d="http://schemas.microsoft.com/office/drawing/2017/model3d" xmlns:w16cex="http://schemas.microsoft.com/office/word/2018/wordml/cex" xmlns:w16cid="http://schemas.microsoft.com/office/word/2016/wordml/cid" xmlns:w16="http://schemas.microsoft.com/office/word/2018/wordml" xmlns:ma14="http://schemas.microsoft.com/office/mac/drawingml/2011/main" xmlns:w="http://schemas.openxmlformats.org/wordprocessingml/2006/main" xmlns:w10="urn:schemas-microsoft-com:office:word" xmlns:v="urn:schemas-microsoft-com:vml" xmlns:o="urn:schemas-microsoft-com:office:office" xmlns:mv="urn:schemas-microsoft-com:mac:vml" xmlns:mo="http://schemas.microsoft.com/office/mac/office/2008/main" xmlns="" xmlns:lc="http://schemas.openxmlformats.org/drawingml/2006/lockedCanvas" val="1"/>
+              <ma14:placeholderFlag xmlns:lc="http://schemas.openxmlformats.org/drawingml/2006/lockedCanvas" xmlns="" xmlns:mo="http://schemas.microsoft.com/office/mac/office/2008/main" xmlns:mv="urn:schemas-microsoft-com:mac:vml" xmlns:o="urn:schemas-microsoft-com:office:office" xmlns:v="urn:schemas-microsoft-com:vml" xmlns:w10="urn:schemas-microsoft-com:office:word" xmlns:w="http://schemas.openxmlformats.org/wordprocessingml/2006/main" xmlns:ma14="http://schemas.microsoft.com/office/mac/drawingml/2011/main" xmlns:w16="http://schemas.microsoft.com/office/word/2018/wordml" xmlns:w16cid="http://schemas.microsoft.com/office/word/2016/wordml/cid" xmlns:w16cex="http://schemas.microsoft.com/office/word/2018/wordml/cex" xmlns:am3d="http://schemas.microsoft.com/office/drawing/2017/model3d" xmlns:aink="http://schemas.microsoft.com/office/drawing/2016/ink" xmlns:cx8="http://schemas.microsoft.com/office/drawing/2016/5/14/chartex" xmlns:cx7="http://schemas.microsoft.com/office/drawing/2016/5/13/chartex" xmlns:cx6="http://schemas.microsoft.com/office/drawing/2016/5/12/chartex" xmlns:cx5="http://schemas.microsoft.com/office/drawing/2016/5/11/chartex" xmlns:cx4="http://schemas.microsoft.com/office/drawing/2016/5/10/chartex" xmlns:cx3="http://schemas.microsoft.com/office/drawing/2016/5/9/chartex" xmlns:cx2="http://schemas.microsoft.com/office/drawing/2015/10/21/chartex" xmlns:cx1="http://schemas.microsoft.com/office/drawing/2015/9/8/chartex" xmlns:pic="http://schemas.openxmlformats.org/drawingml/2006/picture" xmlns:wps="http://schemas.microsoft.com/office/word/2010/wordprocessingShape" xmlns:wne="http://schemas.microsoft.com/office/word/2006/wordml" xmlns:wpi="http://schemas.microsoft.com/office/word/2010/wordprocessingInk" xmlns:wpg="http://schemas.microsoft.com/office/word/2010/wordprocessingGroup" xmlns:w16se="http://schemas.microsoft.com/office/word/2015/wordml/symex" xmlns:w15="http://schemas.microsoft.com/office/word/2012/wordml" xmlns:w14="http://schemas.microsoft.com/office/word/2010/wordml" xmlns:wp="http://schemas.openxmlformats.org/drawingml/2006/wordprocessingDrawing" xmlns:wp14="http://schemas.microsoft.com/office/word/2010/wordprocessingDrawing" xmlns:m="http://schemas.openxmlformats.org/officeDocument/2006/math" xmlns:mc="http://schemas.openxmlformats.org/markup-compatibility/2006" xmlns:cx="http://schemas.microsoft.com/office/drawing/2014/chartex" xmlns:wpc="http://schemas.microsoft.com/office/word/2010/wordprocessingCanvas" val="1"/>
             </a:ext>
           </a:extLst>
         </p:spPr>
@@ -32261,7 +32261,7 @@
           </a:prstGeom>
           <a:extLst>
             <a:ext uri="{FAA26D3D-D897-4be2-8F04-BA451C77F1D7}">
-              <ma14:placeholderFlag xmlns:wpc="http://schemas.microsoft.com/office/word/2010/wordprocessingCanvas" xmlns:cx="http://schemas.microsoft.com/office/drawing/2014/chartex" xmlns:mc="http://schemas.openxmlformats.org/markup-compatibility/2006" xmlns:m="http://schemas.openxmlformats.org/officeDocument/2006/math" xmlns:wp14="http://schemas.microsoft.com/office/word/2010/wordprocessingDrawing" xmlns:wp="http://schemas.openxmlformats.org/drawingml/2006/wordprocessingDrawing" xmlns:w14="http://schemas.microsoft.com/office/word/2010/wordml" xmlns:w15="http://schemas.microsoft.com/office/word/2012/wordml" xmlns:w16se="http://schemas.microsoft.com/office/word/2015/wordml/symex" xmlns:wpg="http://schemas.microsoft.com/office/word/2010/wordprocessingGroup" xmlns:wpi="http://schemas.microsoft.com/office/word/2010/wordprocessingInk" xmlns:wne="http://schemas.microsoft.com/office/word/2006/wordml" xmlns:wps="http://schemas.microsoft.com/office/word/2010/wordprocessingShape" xmlns:pic="http://schemas.openxmlformats.org/drawingml/2006/picture" xmlns:cx1="http://schemas.microsoft.com/office/drawing/2015/9/8/chartex" xmlns:cx2="http://schemas.microsoft.com/office/drawing/2015/10/21/chartex" xmlns:cx3="http://schemas.microsoft.com/office/drawing/2016/5/9/chartex" xmlns:cx4="http://schemas.microsoft.com/office/drawing/2016/5/10/chartex" xmlns:cx5="http://schemas.microsoft.com/office/drawing/2016/5/11/chartex" xmlns:cx6="http://schemas.microsoft.com/office/drawing/2016/5/12/chartex" xmlns:cx7="http://schemas.microsoft.com/office/drawing/2016/5/13/chartex" xmlns:cx8="http://schemas.microsoft.com/office/drawing/2016/5/14/chartex" xmlns:aink="http://schemas.microsoft.com/office/drawing/2016/ink" xmlns:am3d="http://schemas.microsoft.com/office/drawing/2017/model3d" xmlns:w16cex="http://schemas.microsoft.com/office/word/2018/wordml/cex" xmlns:w16cid="http://schemas.microsoft.com/office/word/2016/wordml/cid" xmlns:w16="http://schemas.microsoft.com/office/word/2018/wordml" xmlns:ma14="http://schemas.microsoft.com/office/mac/drawingml/2011/main" xmlns:w="http://schemas.openxmlformats.org/wordprocessingml/2006/main" xmlns:w10="urn:schemas-microsoft-com:office:word" xmlns:v="urn:schemas-microsoft-com:vml" xmlns:o="urn:schemas-microsoft-com:office:office" xmlns:mv="urn:schemas-microsoft-com:mac:vml" xmlns:mo="http://schemas.microsoft.com/office/mac/office/2008/main" xmlns="" xmlns:lc="http://schemas.openxmlformats.org/drawingml/2006/lockedCanvas" val="1"/>
+              <ma14:placeholderFlag xmlns:lc="http://schemas.openxmlformats.org/drawingml/2006/lockedCanvas" xmlns="" xmlns:mo="http://schemas.microsoft.com/office/mac/office/2008/main" xmlns:mv="urn:schemas-microsoft-com:mac:vml" xmlns:o="urn:schemas-microsoft-com:office:office" xmlns:v="urn:schemas-microsoft-com:vml" xmlns:w10="urn:schemas-microsoft-com:office:word" xmlns:w="http://schemas.openxmlformats.org/wordprocessingml/2006/main" xmlns:ma14="http://schemas.microsoft.com/office/mac/drawingml/2011/main" xmlns:w16="http://schemas.microsoft.com/office/word/2018/wordml" xmlns:w16cid="http://schemas.microsoft.com/office/word/2016/wordml/cid" xmlns:w16cex="http://schemas.microsoft.com/office/word/2018/wordml/cex" xmlns:am3d="http://schemas.microsoft.com/office/drawing/2017/model3d" xmlns:aink="http://schemas.microsoft.com/office/drawing/2016/ink" xmlns:cx8="http://schemas.microsoft.com/office/drawing/2016/5/14/chartex" xmlns:cx7="http://schemas.microsoft.com/office/drawing/2016/5/13/chartex" xmlns:cx6="http://schemas.microsoft.com/office/drawing/2016/5/12/chartex" xmlns:cx5="http://schemas.microsoft.com/office/drawing/2016/5/11/chartex" xmlns:cx4="http://schemas.microsoft.com/office/drawing/2016/5/10/chartex" xmlns:cx3="http://schemas.microsoft.com/office/drawing/2016/5/9/chartex" xmlns:cx2="http://schemas.microsoft.com/office/drawing/2015/10/21/chartex" xmlns:cx1="http://schemas.microsoft.com/office/drawing/2015/9/8/chartex" xmlns:pic="http://schemas.openxmlformats.org/drawingml/2006/picture" xmlns:wps="http://schemas.microsoft.com/office/word/2010/wordprocessingShape" xmlns:wne="http://schemas.microsoft.com/office/word/2006/wordml" xmlns:wpi="http://schemas.microsoft.com/office/word/2010/wordprocessingInk" xmlns:wpg="http://schemas.microsoft.com/office/word/2010/wordprocessingGroup" xmlns:w16se="http://schemas.microsoft.com/office/word/2015/wordml/symex" xmlns:w15="http://schemas.microsoft.com/office/word/2012/wordml" xmlns:w14="http://schemas.microsoft.com/office/word/2010/wordml" xmlns:wp="http://schemas.openxmlformats.org/drawingml/2006/wordprocessingDrawing" xmlns:wp14="http://schemas.microsoft.com/office/word/2010/wordprocessingDrawing" xmlns:m="http://schemas.openxmlformats.org/officeDocument/2006/math" xmlns:mc="http://schemas.openxmlformats.org/markup-compatibility/2006" xmlns:cx="http://schemas.microsoft.com/office/drawing/2014/chartex" xmlns:wpc="http://schemas.microsoft.com/office/word/2010/wordprocessingCanvas" val="1"/>
             </a:ext>
           </a:extLst>
         </p:spPr>
@@ -32507,7 +32507,7 @@
           </a:prstGeom>
           <a:extLst>
             <a:ext uri="{FAA26D3D-D897-4be2-8F04-BA451C77F1D7}">
-              <ma14:placeholderFlag xmlns:wpc="http://schemas.microsoft.com/office/word/2010/wordprocessingCanvas" xmlns:cx="http://schemas.microsoft.com/office/drawing/2014/chartex" xmlns:mc="http://schemas.openxmlformats.org/markup-compatibility/2006" xmlns:m="http://schemas.openxmlformats.org/officeDocument/2006/math" xmlns:wp14="http://schemas.microsoft.com/office/word/2010/wordprocessingDrawing" xmlns:wp="http://schemas.openxmlformats.org/drawingml/2006/wordprocessingDrawing" xmlns:w14="http://schemas.microsoft.com/office/word/2010/wordml" xmlns:w15="http://schemas.microsoft.com/office/word/2012/wordml" xmlns:w16se="http://schemas.microsoft.com/office/word/2015/wordml/symex" xmlns:wpg="http://schemas.microsoft.com/office/word/2010/wordprocessingGroup" xmlns:wpi="http://schemas.microsoft.com/office/word/2010/wordprocessingInk" xmlns:wne="http://schemas.microsoft.com/office/word/2006/wordml" xmlns:wps="http://schemas.microsoft.com/office/word/2010/wordprocessingShape" xmlns:pic="http://schemas.openxmlformats.org/drawingml/2006/picture" xmlns:cx1="http://schemas.microsoft.com/office/drawing/2015/9/8/chartex" xmlns:cx2="http://schemas.microsoft.com/office/drawing/2015/10/21/chartex" xmlns:cx3="http://schemas.microsoft.com/office/drawing/2016/5/9/chartex" xmlns:cx4="http://schemas.microsoft.com/office/drawing/2016/5/10/chartex" xmlns:cx5="http://schemas.microsoft.com/office/drawing/2016/5/11/chartex" xmlns:cx6="http://schemas.microsoft.com/office/drawing/2016/5/12/chartex" xmlns:cx7="http://schemas.microsoft.com/office/drawing/2016/5/13/chartex" xmlns:cx8="http://schemas.microsoft.com/office/drawing/2016/5/14/chartex" xmlns:aink="http://schemas.microsoft.com/office/drawing/2016/ink" xmlns:am3d="http://schemas.microsoft.com/office/drawing/2017/model3d" xmlns:w16cex="http://schemas.microsoft.com/office/word/2018/wordml/cex" xmlns:w16cid="http://schemas.microsoft.com/office/word/2016/wordml/cid" xmlns:w16="http://schemas.microsoft.com/office/word/2018/wordml" xmlns:ma14="http://schemas.microsoft.com/office/mac/drawingml/2011/main" xmlns:w="http://schemas.openxmlformats.org/wordprocessingml/2006/main" xmlns:w10="urn:schemas-microsoft-com:office:word" xmlns:v="urn:schemas-microsoft-com:vml" xmlns:o="urn:schemas-microsoft-com:office:office" xmlns:mv="urn:schemas-microsoft-com:mac:vml" xmlns:mo="http://schemas.microsoft.com/office/mac/office/2008/main" xmlns="" xmlns:lc="http://schemas.openxmlformats.org/drawingml/2006/lockedCanvas" val="1"/>
+              <ma14:placeholderFlag xmlns:lc="http://schemas.openxmlformats.org/drawingml/2006/lockedCanvas" xmlns="" xmlns:mo="http://schemas.microsoft.com/office/mac/office/2008/main" xmlns:mv="urn:schemas-microsoft-com:mac:vml" xmlns:o="urn:schemas-microsoft-com:office:office" xmlns:v="urn:schemas-microsoft-com:vml" xmlns:w10="urn:schemas-microsoft-com:office:word" xmlns:w="http://schemas.openxmlformats.org/wordprocessingml/2006/main" xmlns:ma14="http://schemas.microsoft.com/office/mac/drawingml/2011/main" xmlns:w16="http://schemas.microsoft.com/office/word/2018/wordml" xmlns:w16cid="http://schemas.microsoft.com/office/word/2016/wordml/cid" xmlns:w16cex="http://schemas.microsoft.com/office/word/2018/wordml/cex" xmlns:am3d="http://schemas.microsoft.com/office/drawing/2017/model3d" xmlns:aink="http://schemas.microsoft.com/office/drawing/2016/ink" xmlns:cx8="http://schemas.microsoft.com/office/drawing/2016/5/14/chartex" xmlns:cx7="http://schemas.microsoft.com/office/drawing/2016/5/13/chartex" xmlns:cx6="http://schemas.microsoft.com/office/drawing/2016/5/12/chartex" xmlns:cx5="http://schemas.microsoft.com/office/drawing/2016/5/11/chartex" xmlns:cx4="http://schemas.microsoft.com/office/drawing/2016/5/10/chartex" xmlns:cx3="http://schemas.microsoft.com/office/drawing/2016/5/9/chartex" xmlns:cx2="http://schemas.microsoft.com/office/drawing/2015/10/21/chartex" xmlns:cx1="http://schemas.microsoft.com/office/drawing/2015/9/8/chartex" xmlns:pic="http://schemas.openxmlformats.org/drawingml/2006/picture" xmlns:wps="http://schemas.microsoft.com/office/word/2010/wordprocessingShape" xmlns:wne="http://schemas.microsoft.com/office/word/2006/wordml" xmlns:wpi="http://schemas.microsoft.com/office/word/2010/wordprocessingInk" xmlns:wpg="http://schemas.microsoft.com/office/word/2010/wordprocessingGroup" xmlns:w16se="http://schemas.microsoft.com/office/word/2015/wordml/symex" xmlns:w15="http://schemas.microsoft.com/office/word/2012/wordml" xmlns:w14="http://schemas.microsoft.com/office/word/2010/wordml" xmlns:wp="http://schemas.openxmlformats.org/drawingml/2006/wordprocessingDrawing" xmlns:wp14="http://schemas.microsoft.com/office/word/2010/wordprocessingDrawing" xmlns:m="http://schemas.openxmlformats.org/officeDocument/2006/math" xmlns:mc="http://schemas.openxmlformats.org/markup-compatibility/2006" xmlns:cx="http://schemas.microsoft.com/office/drawing/2014/chartex" xmlns:wpc="http://schemas.microsoft.com/office/word/2010/wordprocessingCanvas" val="1"/>
             </a:ext>
           </a:extLst>
         </p:spPr>
@@ -32910,7 +32910,7 @@
           </a:prstGeom>
           <a:extLst>
             <a:ext uri="{FAA26D3D-D897-4be2-8F04-BA451C77F1D7}">
-              <ma14:placeholderFlag xmlns:wpc="http://schemas.microsoft.com/office/word/2010/wordprocessingCanvas" xmlns:cx="http://schemas.microsoft.com/office/drawing/2014/chartex" xmlns:mc="http://schemas.openxmlformats.org/markup-compatibility/2006" xmlns:m="http://schemas.openxmlformats.org/officeDocument/2006/math" xmlns:wp14="http://schemas.microsoft.com/office/word/2010/wordprocessingDrawing" xmlns:wp="http://schemas.openxmlformats.org/drawingml/2006/wordprocessingDrawing" xmlns:w14="http://schemas.microsoft.com/office/word/2010/wordml" xmlns:w15="http://schemas.microsoft.com/office/word/2012/wordml" xmlns:w16se="http://schemas.microsoft.com/office/word/2015/wordml/symex" xmlns:wpg="http://schemas.microsoft.com/office/word/2010/wordprocessingGroup" xmlns:wpi="http://schemas.microsoft.com/office/word/2010/wordprocessingInk" xmlns:wne="http://schemas.microsoft.com/office/word/2006/wordml" xmlns:wps="http://schemas.microsoft.com/office/word/2010/wordprocessingShape" xmlns:pic="http://schemas.openxmlformats.org/drawingml/2006/picture" xmlns:cx1="http://schemas.microsoft.com/office/drawing/2015/9/8/chartex" xmlns:cx2="http://schemas.microsoft.com/office/drawing/2015/10/21/chartex" xmlns:cx3="http://schemas.microsoft.com/office/drawing/2016/5/9/chartex" xmlns:cx4="http://schemas.microsoft.com/office/drawing/2016/5/10/chartex" xmlns:cx5="http://schemas.microsoft.com/office/drawing/2016/5/11/chartex" xmlns:cx6="http://schemas.microsoft.com/office/drawing/2016/5/12/chartex" xmlns:cx7="http://schemas.microsoft.com/office/drawing/2016/5/13/chartex" xmlns:cx8="http://schemas.microsoft.com/office/drawing/2016/5/14/chartex" xmlns:aink="http://schemas.microsoft.com/office/drawing/2016/ink" xmlns:am3d="http://schemas.microsoft.com/office/drawing/2017/model3d" xmlns:w16cex="http://schemas.microsoft.com/office/word/2018/wordml/cex" xmlns:w16cid="http://schemas.microsoft.com/office/word/2016/wordml/cid" xmlns:w16="http://schemas.microsoft.com/office/word/2018/wordml" xmlns:ma14="http://schemas.microsoft.com/office/mac/drawingml/2011/main" xmlns:w="http://schemas.openxmlformats.org/wordprocessingml/2006/main" xmlns:w10="urn:schemas-microsoft-com:office:word" xmlns:v="urn:schemas-microsoft-com:vml" xmlns:o="urn:schemas-microsoft-com:office:office" xmlns:mv="urn:schemas-microsoft-com:mac:vml" xmlns:mo="http://schemas.microsoft.com/office/mac/office/2008/main" xmlns="" xmlns:lc="http://schemas.openxmlformats.org/drawingml/2006/lockedCanvas" val="1"/>
+              <ma14:placeholderFlag xmlns:lc="http://schemas.openxmlformats.org/drawingml/2006/lockedCanvas" xmlns="" xmlns:mo="http://schemas.microsoft.com/office/mac/office/2008/main" xmlns:mv="urn:schemas-microsoft-com:mac:vml" xmlns:o="urn:schemas-microsoft-com:office:office" xmlns:v="urn:schemas-microsoft-com:vml" xmlns:w10="urn:schemas-microsoft-com:office:word" xmlns:w="http://schemas.openxmlformats.org/wordprocessingml/2006/main" xmlns:ma14="http://schemas.microsoft.com/office/mac/drawingml/2011/main" xmlns:w16="http://schemas.microsoft.com/office/word/2018/wordml" xmlns:w16cid="http://schemas.microsoft.com/office/word/2016/wordml/cid" xmlns:w16cex="http://schemas.microsoft.com/office/word/2018/wordml/cex" xmlns:am3d="http://schemas.microsoft.com/office/drawing/2017/model3d" xmlns:aink="http://schemas.microsoft.com/office/drawing/2016/ink" xmlns:cx8="http://schemas.microsoft.com/office/drawing/2016/5/14/chartex" xmlns:cx7="http://schemas.microsoft.com/office/drawing/2016/5/13/chartex" xmlns:cx6="http://schemas.microsoft.com/office/drawing/2016/5/12/chartex" xmlns:cx5="http://schemas.microsoft.com/office/drawing/2016/5/11/chartex" xmlns:cx4="http://schemas.microsoft.com/office/drawing/2016/5/10/chartex" xmlns:cx3="http://schemas.microsoft.com/office/drawing/2016/5/9/chartex" xmlns:cx2="http://schemas.microsoft.com/office/drawing/2015/10/21/chartex" xmlns:cx1="http://schemas.microsoft.com/office/drawing/2015/9/8/chartex" xmlns:pic="http://schemas.openxmlformats.org/drawingml/2006/picture" xmlns:wps="http://schemas.microsoft.com/office/word/2010/wordprocessingShape" xmlns:wne="http://schemas.microsoft.com/office/word/2006/wordml" xmlns:wpi="http://schemas.microsoft.com/office/word/2010/wordprocessingInk" xmlns:wpg="http://schemas.microsoft.com/office/word/2010/wordprocessingGroup" xmlns:w16se="http://schemas.microsoft.com/office/word/2015/wordml/symex" xmlns:w15="http://schemas.microsoft.com/office/word/2012/wordml" xmlns:w14="http://schemas.microsoft.com/office/word/2010/wordml" xmlns:wp="http://schemas.openxmlformats.org/drawingml/2006/wordprocessingDrawing" xmlns:wp14="http://schemas.microsoft.com/office/word/2010/wordprocessingDrawing" xmlns:m="http://schemas.openxmlformats.org/officeDocument/2006/math" xmlns:mc="http://schemas.openxmlformats.org/markup-compatibility/2006" xmlns:cx="http://schemas.microsoft.com/office/drawing/2014/chartex" xmlns:wpc="http://schemas.microsoft.com/office/word/2010/wordprocessingCanvas" val="1"/>
             </a:ext>
           </a:extLst>
         </p:spPr>
@@ -33140,7 +33140,7 @@
           </a:prstGeom>
           <a:extLst>
             <a:ext uri="{FAA26D3D-D897-4be2-8F04-BA451C77F1D7}">
-              <ma14:placeholderFlag xmlns:lc="http://schemas.openxmlformats.org/drawingml/2006/lockedCanvas" xmlns:mo="http://schemas.microsoft.com/office/mac/office/2008/main" xmlns:mv="urn:schemas-microsoft-com:mac:vml" xmlns:o="urn:schemas-microsoft-com:office:office" xmlns:v="urn:schemas-microsoft-com:vml" xmlns:w10="urn:schemas-microsoft-com:office:word" xmlns:w="http://schemas.openxmlformats.org/wordprocessingml/2006/main" xmlns:ma14="http://schemas.microsoft.com/office/mac/drawingml/2011/main" xmlns:w16="http://schemas.microsoft.com/office/word/2018/wordml" xmlns:w16cid="http://schemas.microsoft.com/office/word/2016/wordml/cid" xmlns:w16cex="http://schemas.microsoft.com/office/word/2018/wordml/cex" xmlns:am3d="http://schemas.microsoft.com/office/drawing/2017/model3d" xmlns:aink="http://schemas.microsoft.com/office/drawing/2016/ink" xmlns:cx8="http://schemas.microsoft.com/office/drawing/2016/5/14/chartex" xmlns:cx7="http://schemas.microsoft.com/office/drawing/2016/5/13/chartex" xmlns:cx6="http://schemas.microsoft.com/office/drawing/2016/5/12/chartex" xmlns:cx5="http://schemas.microsoft.com/office/drawing/2016/5/11/chartex" xmlns:cx4="http://schemas.microsoft.com/office/drawing/2016/5/10/chartex" xmlns:cx3="http://schemas.microsoft.com/office/drawing/2016/5/9/chartex" xmlns:cx2="http://schemas.microsoft.com/office/drawing/2015/10/21/chartex" xmlns:cx1="http://schemas.microsoft.com/office/drawing/2015/9/8/chartex" xmlns:pic="http://schemas.openxmlformats.org/drawingml/2006/picture" xmlns:wps="http://schemas.microsoft.com/office/word/2010/wordprocessingShape" xmlns:wne="http://schemas.microsoft.com/office/word/2006/wordml" xmlns:wpi="http://schemas.microsoft.com/office/word/2010/wordprocessingInk" xmlns:wpg="http://schemas.microsoft.com/office/word/2010/wordprocessingGroup" xmlns:w16se="http://schemas.microsoft.com/office/word/2015/wordml/symex" xmlns:w15="http://schemas.microsoft.com/office/word/2012/wordml" xmlns:w14="http://schemas.microsoft.com/office/word/2010/wordml" xmlns:wp="http://schemas.openxmlformats.org/drawingml/2006/wordprocessingDrawing" xmlns:wp14="http://schemas.microsoft.com/office/word/2010/wordprocessingDrawing" xmlns:m="http://schemas.openxmlformats.org/officeDocument/2006/math" xmlns:mc="http://schemas.openxmlformats.org/markup-compatibility/2006" xmlns:cx="http://schemas.microsoft.com/office/drawing/2014/chartex" xmlns:wpc="http://schemas.microsoft.com/office/word/2010/wordprocessingCanvas" xmlns="" val="1"/>
+              <ma14:placeholderFlag xmlns="" xmlns:wpc="http://schemas.microsoft.com/office/word/2010/wordprocessingCanvas" xmlns:cx="http://schemas.microsoft.com/office/drawing/2014/chartex" xmlns:mc="http://schemas.openxmlformats.org/markup-compatibility/2006" xmlns:m="http://schemas.openxmlformats.org/officeDocument/2006/math" xmlns:wp14="http://schemas.microsoft.com/office/word/2010/wordprocessingDrawing" xmlns:wp="http://schemas.openxmlformats.org/drawingml/2006/wordprocessingDrawing" xmlns:w14="http://schemas.microsoft.com/office/word/2010/wordml" xmlns:w15="http://schemas.microsoft.com/office/word/2012/wordml" xmlns:w16se="http://schemas.microsoft.com/office/word/2015/wordml/symex" xmlns:wpg="http://schemas.microsoft.com/office/word/2010/wordprocessingGroup" xmlns:wpi="http://schemas.microsoft.com/office/word/2010/wordprocessingInk" xmlns:wne="http://schemas.microsoft.com/office/word/2006/wordml" xmlns:wps="http://schemas.microsoft.com/office/word/2010/wordprocessingShape" xmlns:pic="http://schemas.openxmlformats.org/drawingml/2006/picture" xmlns:cx1="http://schemas.microsoft.com/office/drawing/2015/9/8/chartex" xmlns:cx2="http://schemas.microsoft.com/office/drawing/2015/10/21/chartex" xmlns:cx3="http://schemas.microsoft.com/office/drawing/2016/5/9/chartex" xmlns:cx4="http://schemas.microsoft.com/office/drawing/2016/5/10/chartex" xmlns:cx5="http://schemas.microsoft.com/office/drawing/2016/5/11/chartex" xmlns:cx6="http://schemas.microsoft.com/office/drawing/2016/5/12/chartex" xmlns:cx7="http://schemas.microsoft.com/office/drawing/2016/5/13/chartex" xmlns:cx8="http://schemas.microsoft.com/office/drawing/2016/5/14/chartex" xmlns:aink="http://schemas.microsoft.com/office/drawing/2016/ink" xmlns:am3d="http://schemas.microsoft.com/office/drawing/2017/model3d" xmlns:w16cex="http://schemas.microsoft.com/office/word/2018/wordml/cex" xmlns:w16cid="http://schemas.microsoft.com/office/word/2016/wordml/cid" xmlns:w16="http://schemas.microsoft.com/office/word/2018/wordml" xmlns:ma14="http://schemas.microsoft.com/office/mac/drawingml/2011/main" xmlns:w="http://schemas.openxmlformats.org/wordprocessingml/2006/main" xmlns:w10="urn:schemas-microsoft-com:office:word" xmlns:v="urn:schemas-microsoft-com:vml" xmlns:o="urn:schemas-microsoft-com:office:office" xmlns:mv="urn:schemas-microsoft-com:mac:vml" xmlns:mo="http://schemas.microsoft.com/office/mac/office/2008/main" xmlns:lc="http://schemas.openxmlformats.org/drawingml/2006/lockedCanvas" val="1"/>
             </a:ext>
           </a:extLst>
         </p:spPr>
@@ -33498,13 +33498,13 @@
               </a:tabLst>
             </a:pPr>
             <a:r>
-              <a:rPr lang="es-ES" sz="2400" b="1">
+              <a:rPr lang="es-ES" sz="2400" b="1" dirty="0">
                 <a:latin typeface="Arial" panose="020B0604020202020204" pitchFamily="34" charset="0"/>
                 <a:cs typeface="Arial" panose="020B0604020202020204" pitchFamily="34" charset="0"/>
               </a:rPr>
               <a:t>Planificación del Proyecto</a:t>
             </a:r>
-            <a:endParaRPr lang="en-US" sz="2400" b="1">
+            <a:endParaRPr lang="en-US" sz="2400" b="1" dirty="0">
               <a:latin typeface="Arial" panose="020B0604020202020204" pitchFamily="34" charset="0"/>
               <a:cs typeface="Arial" panose="020B0604020202020204" pitchFamily="34" charset="0"/>
             </a:endParaRPr>
@@ -33567,7 +33567,7 @@
           </a:prstGeom>
           <a:extLst>
             <a:ext uri="{FAA26D3D-D897-4be2-8F04-BA451C77F1D7}">
-              <ma14:placeholderFlag xmlns:lc="http://schemas.openxmlformats.org/drawingml/2006/lockedCanvas" xmlns:mo="http://schemas.microsoft.com/office/mac/office/2008/main" xmlns:mv="urn:schemas-microsoft-com:mac:vml" xmlns:o="urn:schemas-microsoft-com:office:office" xmlns:v="urn:schemas-microsoft-com:vml" xmlns:w10="urn:schemas-microsoft-com:office:word" xmlns:w="http://schemas.openxmlformats.org/wordprocessingml/2006/main" xmlns:ma14="http://schemas.microsoft.com/office/mac/drawingml/2011/main" xmlns:w16="http://schemas.microsoft.com/office/word/2018/wordml" xmlns:w16cid="http://schemas.microsoft.com/office/word/2016/wordml/cid" xmlns:w16cex="http://schemas.microsoft.com/office/word/2018/wordml/cex" xmlns:am3d="http://schemas.microsoft.com/office/drawing/2017/model3d" xmlns:aink="http://schemas.microsoft.com/office/drawing/2016/ink" xmlns:cx8="http://schemas.microsoft.com/office/drawing/2016/5/14/chartex" xmlns:cx7="http://schemas.microsoft.com/office/drawing/2016/5/13/chartex" xmlns:cx6="http://schemas.microsoft.com/office/drawing/2016/5/12/chartex" xmlns:cx5="http://schemas.microsoft.com/office/drawing/2016/5/11/chartex" xmlns:cx4="http://schemas.microsoft.com/office/drawing/2016/5/10/chartex" xmlns:cx3="http://schemas.microsoft.com/office/drawing/2016/5/9/chartex" xmlns:cx2="http://schemas.microsoft.com/office/drawing/2015/10/21/chartex" xmlns:cx1="http://schemas.microsoft.com/office/drawing/2015/9/8/chartex" xmlns:pic="http://schemas.openxmlformats.org/drawingml/2006/picture" xmlns:wps="http://schemas.microsoft.com/office/word/2010/wordprocessingShape" xmlns:wne="http://schemas.microsoft.com/office/word/2006/wordml" xmlns:wpi="http://schemas.microsoft.com/office/word/2010/wordprocessingInk" xmlns:wpg="http://schemas.microsoft.com/office/word/2010/wordprocessingGroup" xmlns:w16se="http://schemas.microsoft.com/office/word/2015/wordml/symex" xmlns:w15="http://schemas.microsoft.com/office/word/2012/wordml" xmlns:w14="http://schemas.microsoft.com/office/word/2010/wordml" xmlns:wp="http://schemas.openxmlformats.org/drawingml/2006/wordprocessingDrawing" xmlns:wp14="http://schemas.microsoft.com/office/word/2010/wordprocessingDrawing" xmlns:m="http://schemas.openxmlformats.org/officeDocument/2006/math" xmlns:mc="http://schemas.openxmlformats.org/markup-compatibility/2006" xmlns:cx="http://schemas.microsoft.com/office/drawing/2014/chartex" xmlns:wpc="http://schemas.microsoft.com/office/word/2010/wordprocessingCanvas" xmlns="" val="1"/>
+              <ma14:placeholderFlag xmlns="" xmlns:wpc="http://schemas.microsoft.com/office/word/2010/wordprocessingCanvas" xmlns:cx="http://schemas.microsoft.com/office/drawing/2014/chartex" xmlns:mc="http://schemas.openxmlformats.org/markup-compatibility/2006" xmlns:m="http://schemas.openxmlformats.org/officeDocument/2006/math" xmlns:wp14="http://schemas.microsoft.com/office/word/2010/wordprocessingDrawing" xmlns:wp="http://schemas.openxmlformats.org/drawingml/2006/wordprocessingDrawing" xmlns:w14="http://schemas.microsoft.com/office/word/2010/wordml" xmlns:w15="http://schemas.microsoft.com/office/word/2012/wordml" xmlns:w16se="http://schemas.microsoft.com/office/word/2015/wordml/symex" xmlns:wpg="http://schemas.microsoft.com/office/word/2010/wordprocessingGroup" xmlns:wpi="http://schemas.microsoft.com/office/word/2010/wordprocessingInk" xmlns:wne="http://schemas.microsoft.com/office/word/2006/wordml" xmlns:wps="http://schemas.microsoft.com/office/word/2010/wordprocessingShape" xmlns:pic="http://schemas.openxmlformats.org/drawingml/2006/picture" xmlns:cx1="http://schemas.microsoft.com/office/drawing/2015/9/8/chartex" xmlns:cx2="http://schemas.microsoft.com/office/drawing/2015/10/21/chartex" xmlns:cx3="http://schemas.microsoft.com/office/drawing/2016/5/9/chartex" xmlns:cx4="http://schemas.microsoft.com/office/drawing/2016/5/10/chartex" xmlns:cx5="http://schemas.microsoft.com/office/drawing/2016/5/11/chartex" xmlns:cx6="http://schemas.microsoft.com/office/drawing/2016/5/12/chartex" xmlns:cx7="http://schemas.microsoft.com/office/drawing/2016/5/13/chartex" xmlns:cx8="http://schemas.microsoft.com/office/drawing/2016/5/14/chartex" xmlns:aink="http://schemas.microsoft.com/office/drawing/2016/ink" xmlns:am3d="http://schemas.microsoft.com/office/drawing/2017/model3d" xmlns:w16cex="http://schemas.microsoft.com/office/word/2018/wordml/cex" xmlns:w16cid="http://schemas.microsoft.com/office/word/2016/wordml/cid" xmlns:w16="http://schemas.microsoft.com/office/word/2018/wordml" xmlns:ma14="http://schemas.microsoft.com/office/mac/drawingml/2011/main" xmlns:w="http://schemas.openxmlformats.org/wordprocessingml/2006/main" xmlns:w10="urn:schemas-microsoft-com:office:word" xmlns:v="urn:schemas-microsoft-com:vml" xmlns:o="urn:schemas-microsoft-com:office:office" xmlns:mv="urn:schemas-microsoft-com:mac:vml" xmlns:mo="http://schemas.microsoft.com/office/mac/office/2008/main" xmlns:lc="http://schemas.openxmlformats.org/drawingml/2006/lockedCanvas" val="1"/>
             </a:ext>
           </a:extLst>
         </p:spPr>
@@ -34065,7 +34065,7 @@
           </a:prstGeom>
           <a:extLst>
             <a:ext uri="{FAA26D3D-D897-4be2-8F04-BA451C77F1D7}">
-              <ma14:placeholderFlag xmlns:wpc="http://schemas.microsoft.com/office/word/2010/wordprocessingCanvas" xmlns:cx="http://schemas.microsoft.com/office/drawing/2014/chartex" xmlns:mc="http://schemas.openxmlformats.org/markup-compatibility/2006" xmlns:m="http://schemas.openxmlformats.org/officeDocument/2006/math" xmlns:wp14="http://schemas.microsoft.com/office/word/2010/wordprocessingDrawing" xmlns:wp="http://schemas.openxmlformats.org/drawingml/2006/wordprocessingDrawing" xmlns:w14="http://schemas.microsoft.com/office/word/2010/wordml" xmlns:w15="http://schemas.microsoft.com/office/word/2012/wordml" xmlns:w16se="http://schemas.microsoft.com/office/word/2015/wordml/symex" xmlns:wpg="http://schemas.microsoft.com/office/word/2010/wordprocessingGroup" xmlns:wpi="http://schemas.microsoft.com/office/word/2010/wordprocessingInk" xmlns:wne="http://schemas.microsoft.com/office/word/2006/wordml" xmlns:wps="http://schemas.microsoft.com/office/word/2010/wordprocessingShape" xmlns:pic="http://schemas.openxmlformats.org/drawingml/2006/picture" xmlns:cx1="http://schemas.microsoft.com/office/drawing/2015/9/8/chartex" xmlns:cx2="http://schemas.microsoft.com/office/drawing/2015/10/21/chartex" xmlns:cx3="http://schemas.microsoft.com/office/drawing/2016/5/9/chartex" xmlns:cx4="http://schemas.microsoft.com/office/drawing/2016/5/10/chartex" xmlns:cx5="http://schemas.microsoft.com/office/drawing/2016/5/11/chartex" xmlns:cx6="http://schemas.microsoft.com/office/drawing/2016/5/12/chartex" xmlns:cx7="http://schemas.microsoft.com/office/drawing/2016/5/13/chartex" xmlns:cx8="http://schemas.microsoft.com/office/drawing/2016/5/14/chartex" xmlns:aink="http://schemas.microsoft.com/office/drawing/2016/ink" xmlns:am3d="http://schemas.microsoft.com/office/drawing/2017/model3d" xmlns:w16cex="http://schemas.microsoft.com/office/word/2018/wordml/cex" xmlns:w16cid="http://schemas.microsoft.com/office/word/2016/wordml/cid" xmlns:w16="http://schemas.microsoft.com/office/word/2018/wordml" xmlns:ma14="http://schemas.microsoft.com/office/mac/drawingml/2011/main" xmlns:w="http://schemas.openxmlformats.org/wordprocessingml/2006/main" xmlns:w10="urn:schemas-microsoft-com:office:word" xmlns:v="urn:schemas-microsoft-com:vml" xmlns:o="urn:schemas-microsoft-com:office:office" xmlns:mv="urn:schemas-microsoft-com:mac:vml" xmlns:mo="http://schemas.microsoft.com/office/mac/office/2008/main" xmlns="" xmlns:lc="http://schemas.openxmlformats.org/drawingml/2006/lockedCanvas" val="1"/>
+              <ma14:placeholderFlag xmlns:lc="http://schemas.openxmlformats.org/drawingml/2006/lockedCanvas" xmlns="" xmlns:mo="http://schemas.microsoft.com/office/mac/office/2008/main" xmlns:mv="urn:schemas-microsoft-com:mac:vml" xmlns:o="urn:schemas-microsoft-com:office:office" xmlns:v="urn:schemas-microsoft-com:vml" xmlns:w10="urn:schemas-microsoft-com:office:word" xmlns:w="http://schemas.openxmlformats.org/wordprocessingml/2006/main" xmlns:ma14="http://schemas.microsoft.com/office/mac/drawingml/2011/main" xmlns:w16="http://schemas.microsoft.com/office/word/2018/wordml" xmlns:w16cid="http://schemas.microsoft.com/office/word/2016/wordml/cid" xmlns:w16cex="http://schemas.microsoft.com/office/word/2018/wordml/cex" xmlns:am3d="http://schemas.microsoft.com/office/drawing/2017/model3d" xmlns:aink="http://schemas.microsoft.com/office/drawing/2016/ink" xmlns:cx8="http://schemas.microsoft.com/office/drawing/2016/5/14/chartex" xmlns:cx7="http://schemas.microsoft.com/office/drawing/2016/5/13/chartex" xmlns:cx6="http://schemas.microsoft.com/office/drawing/2016/5/12/chartex" xmlns:cx5="http://schemas.microsoft.com/office/drawing/2016/5/11/chartex" xmlns:cx4="http://schemas.microsoft.com/office/drawing/2016/5/10/chartex" xmlns:cx3="http://schemas.microsoft.com/office/drawing/2016/5/9/chartex" xmlns:cx2="http://schemas.microsoft.com/office/drawing/2015/10/21/chartex" xmlns:cx1="http://schemas.microsoft.com/office/drawing/2015/9/8/chartex" xmlns:pic="http://schemas.openxmlformats.org/drawingml/2006/picture" xmlns:wps="http://schemas.microsoft.com/office/word/2010/wordprocessingShape" xmlns:wne="http://schemas.microsoft.com/office/word/2006/wordml" xmlns:wpi="http://schemas.microsoft.com/office/word/2010/wordprocessingInk" xmlns:wpg="http://schemas.microsoft.com/office/word/2010/wordprocessingGroup" xmlns:w16se="http://schemas.microsoft.com/office/word/2015/wordml/symex" xmlns:w15="http://schemas.microsoft.com/office/word/2012/wordml" xmlns:w14="http://schemas.microsoft.com/office/word/2010/wordml" xmlns:wp="http://schemas.openxmlformats.org/drawingml/2006/wordprocessingDrawing" xmlns:wp14="http://schemas.microsoft.com/office/word/2010/wordprocessingDrawing" xmlns:m="http://schemas.openxmlformats.org/officeDocument/2006/math" xmlns:mc="http://schemas.openxmlformats.org/markup-compatibility/2006" xmlns:cx="http://schemas.microsoft.com/office/drawing/2014/chartex" xmlns:wpc="http://schemas.microsoft.com/office/word/2010/wordprocessingCanvas" val="1"/>
             </a:ext>
           </a:extLst>
         </p:spPr>
@@ -34407,7 +34407,7 @@
           </a:prstGeom>
           <a:extLst>
             <a:ext uri="{FAA26D3D-D897-4be2-8F04-BA451C77F1D7}">
-              <ma14:placeholderFlag xmlns:wpc="http://schemas.microsoft.com/office/word/2010/wordprocessingCanvas" xmlns:cx="http://schemas.microsoft.com/office/drawing/2014/chartex" xmlns:mc="http://schemas.openxmlformats.org/markup-compatibility/2006" xmlns:m="http://schemas.openxmlformats.org/officeDocument/2006/math" xmlns:wp14="http://schemas.microsoft.com/office/word/2010/wordprocessingDrawing" xmlns:wp="http://schemas.openxmlformats.org/drawingml/2006/wordprocessingDrawing" xmlns:w14="http://schemas.microsoft.com/office/word/2010/wordml" xmlns:w15="http://schemas.microsoft.com/office/word/2012/wordml" xmlns:w16se="http://schemas.microsoft.com/office/word/2015/wordml/symex" xmlns:wpg="http://schemas.microsoft.com/office/word/2010/wordprocessingGroup" xmlns:wpi="http://schemas.microsoft.com/office/word/2010/wordprocessingInk" xmlns:wne="http://schemas.microsoft.com/office/word/2006/wordml" xmlns:wps="http://schemas.microsoft.com/office/word/2010/wordprocessingShape" xmlns:pic="http://schemas.openxmlformats.org/drawingml/2006/picture" xmlns:cx1="http://schemas.microsoft.com/office/drawing/2015/9/8/chartex" xmlns:cx2="http://schemas.microsoft.com/office/drawing/2015/10/21/chartex" xmlns:cx3="http://schemas.microsoft.com/office/drawing/2016/5/9/chartex" xmlns:cx4="http://schemas.microsoft.com/office/drawing/2016/5/10/chartex" xmlns:cx5="http://schemas.microsoft.com/office/drawing/2016/5/11/chartex" xmlns:cx6="http://schemas.microsoft.com/office/drawing/2016/5/12/chartex" xmlns:cx7="http://schemas.microsoft.com/office/drawing/2016/5/13/chartex" xmlns:cx8="http://schemas.microsoft.com/office/drawing/2016/5/14/chartex" xmlns:aink="http://schemas.microsoft.com/office/drawing/2016/ink" xmlns:am3d="http://schemas.microsoft.com/office/drawing/2017/model3d" xmlns:w16cex="http://schemas.microsoft.com/office/word/2018/wordml/cex" xmlns:w16cid="http://schemas.microsoft.com/office/word/2016/wordml/cid" xmlns:w16="http://schemas.microsoft.com/office/word/2018/wordml" xmlns:ma14="http://schemas.microsoft.com/office/mac/drawingml/2011/main" xmlns:w="http://schemas.openxmlformats.org/wordprocessingml/2006/main" xmlns:w10="urn:schemas-microsoft-com:office:word" xmlns:v="urn:schemas-microsoft-com:vml" xmlns:o="urn:schemas-microsoft-com:office:office" xmlns:mv="urn:schemas-microsoft-com:mac:vml" xmlns:mo="http://schemas.microsoft.com/office/mac/office/2008/main" xmlns:lc="http://schemas.openxmlformats.org/drawingml/2006/lockedCanvas" xmlns="" val="1"/>
+              <ma14:placeholderFlag xmlns="" xmlns:lc="http://schemas.openxmlformats.org/drawingml/2006/lockedCanvas" xmlns:mo="http://schemas.microsoft.com/office/mac/office/2008/main" xmlns:mv="urn:schemas-microsoft-com:mac:vml" xmlns:o="urn:schemas-microsoft-com:office:office" xmlns:v="urn:schemas-microsoft-com:vml" xmlns:w10="urn:schemas-microsoft-com:office:word" xmlns:w="http://schemas.openxmlformats.org/wordprocessingml/2006/main" xmlns:ma14="http://schemas.microsoft.com/office/mac/drawingml/2011/main" xmlns:w16="http://schemas.microsoft.com/office/word/2018/wordml" xmlns:w16cid="http://schemas.microsoft.com/office/word/2016/wordml/cid" xmlns:w16cex="http://schemas.microsoft.com/office/word/2018/wordml/cex" xmlns:am3d="http://schemas.microsoft.com/office/drawing/2017/model3d" xmlns:aink="http://schemas.microsoft.com/office/drawing/2016/ink" xmlns:cx8="http://schemas.microsoft.com/office/drawing/2016/5/14/chartex" xmlns:cx7="http://schemas.microsoft.com/office/drawing/2016/5/13/chartex" xmlns:cx6="http://schemas.microsoft.com/office/drawing/2016/5/12/chartex" xmlns:cx5="http://schemas.microsoft.com/office/drawing/2016/5/11/chartex" xmlns:cx4="http://schemas.microsoft.com/office/drawing/2016/5/10/chartex" xmlns:cx3="http://schemas.microsoft.com/office/drawing/2016/5/9/chartex" xmlns:cx2="http://schemas.microsoft.com/office/drawing/2015/10/21/chartex" xmlns:cx1="http://schemas.microsoft.com/office/drawing/2015/9/8/chartex" xmlns:pic="http://schemas.openxmlformats.org/drawingml/2006/picture" xmlns:wps="http://schemas.microsoft.com/office/word/2010/wordprocessingShape" xmlns:wne="http://schemas.microsoft.com/office/word/2006/wordml" xmlns:wpi="http://schemas.microsoft.com/office/word/2010/wordprocessingInk" xmlns:wpg="http://schemas.microsoft.com/office/word/2010/wordprocessingGroup" xmlns:w16se="http://schemas.microsoft.com/office/word/2015/wordml/symex" xmlns:w15="http://schemas.microsoft.com/office/word/2012/wordml" xmlns:w14="http://schemas.microsoft.com/office/word/2010/wordml" xmlns:wp="http://schemas.openxmlformats.org/drawingml/2006/wordprocessingDrawing" xmlns:wp14="http://schemas.microsoft.com/office/word/2010/wordprocessingDrawing" xmlns:m="http://schemas.openxmlformats.org/officeDocument/2006/math" xmlns:mc="http://schemas.openxmlformats.org/markup-compatibility/2006" xmlns:cx="http://schemas.microsoft.com/office/drawing/2014/chartex" xmlns:wpc="http://schemas.microsoft.com/office/word/2010/wordprocessingCanvas" val="1"/>
             </a:ext>
           </a:extLst>
         </p:spPr>
@@ -35122,7 +35122,7 @@
           </a:prstGeom>
           <a:extLst>
             <a:ext uri="{FAA26D3D-D897-4be2-8F04-BA451C77F1D7}">
-              <ma14:placeholderFlag xmlns:lc="http://schemas.openxmlformats.org/drawingml/2006/lockedCanvas" xmlns:mo="http://schemas.microsoft.com/office/mac/office/2008/main" xmlns:mv="urn:schemas-microsoft-com:mac:vml" xmlns:o="urn:schemas-microsoft-com:office:office" xmlns:v="urn:schemas-microsoft-com:vml" xmlns:w10="urn:schemas-microsoft-com:office:word" xmlns:w="http://schemas.openxmlformats.org/wordprocessingml/2006/main" xmlns:ma14="http://schemas.microsoft.com/office/mac/drawingml/2011/main" xmlns:w16="http://schemas.microsoft.com/office/word/2018/wordml" xmlns:w16cid="http://schemas.microsoft.com/office/word/2016/wordml/cid" xmlns:w16cex="http://schemas.microsoft.com/office/word/2018/wordml/cex" xmlns:am3d="http://schemas.microsoft.com/office/drawing/2017/model3d" xmlns:aink="http://schemas.microsoft.com/office/drawing/2016/ink" xmlns:cx8="http://schemas.microsoft.com/office/drawing/2016/5/14/chartex" xmlns:cx7="http://schemas.microsoft.com/office/drawing/2016/5/13/chartex" xmlns:cx6="http://schemas.microsoft.com/office/drawing/2016/5/12/chartex" xmlns:cx5="http://schemas.microsoft.com/office/drawing/2016/5/11/chartex" xmlns:cx4="http://schemas.microsoft.com/office/drawing/2016/5/10/chartex" xmlns:cx3="http://schemas.microsoft.com/office/drawing/2016/5/9/chartex" xmlns:cx2="http://schemas.microsoft.com/office/drawing/2015/10/21/chartex" xmlns:cx1="http://schemas.microsoft.com/office/drawing/2015/9/8/chartex" xmlns:pic="http://schemas.openxmlformats.org/drawingml/2006/picture" xmlns:wps="http://schemas.microsoft.com/office/word/2010/wordprocessingShape" xmlns:wne="http://schemas.microsoft.com/office/word/2006/wordml" xmlns:wpi="http://schemas.microsoft.com/office/word/2010/wordprocessingInk" xmlns:wpg="http://schemas.microsoft.com/office/word/2010/wordprocessingGroup" xmlns:w16se="http://schemas.microsoft.com/office/word/2015/wordml/symex" xmlns:w15="http://schemas.microsoft.com/office/word/2012/wordml" xmlns:w14="http://schemas.microsoft.com/office/word/2010/wordml" xmlns:wp="http://schemas.openxmlformats.org/drawingml/2006/wordprocessingDrawing" xmlns:wp14="http://schemas.microsoft.com/office/word/2010/wordprocessingDrawing" xmlns:m="http://schemas.openxmlformats.org/officeDocument/2006/math" xmlns:mc="http://schemas.openxmlformats.org/markup-compatibility/2006" xmlns:cx="http://schemas.microsoft.com/office/drawing/2014/chartex" xmlns:wpc="http://schemas.microsoft.com/office/word/2010/wordprocessingCanvas" xmlns="" val="1"/>
+              <ma14:placeholderFlag xmlns="" xmlns:wpc="http://schemas.microsoft.com/office/word/2010/wordprocessingCanvas" xmlns:cx="http://schemas.microsoft.com/office/drawing/2014/chartex" xmlns:mc="http://schemas.openxmlformats.org/markup-compatibility/2006" xmlns:m="http://schemas.openxmlformats.org/officeDocument/2006/math" xmlns:wp14="http://schemas.microsoft.com/office/word/2010/wordprocessingDrawing" xmlns:wp="http://schemas.openxmlformats.org/drawingml/2006/wordprocessingDrawing" xmlns:w14="http://schemas.microsoft.com/office/word/2010/wordml" xmlns:w15="http://schemas.microsoft.com/office/word/2012/wordml" xmlns:w16se="http://schemas.microsoft.com/office/word/2015/wordml/symex" xmlns:wpg="http://schemas.microsoft.com/office/word/2010/wordprocessingGroup" xmlns:wpi="http://schemas.microsoft.com/office/word/2010/wordprocessingInk" xmlns:wne="http://schemas.microsoft.com/office/word/2006/wordml" xmlns:wps="http://schemas.microsoft.com/office/word/2010/wordprocessingShape" xmlns:pic="http://schemas.openxmlformats.org/drawingml/2006/picture" xmlns:cx1="http://schemas.microsoft.com/office/drawing/2015/9/8/chartex" xmlns:cx2="http://schemas.microsoft.com/office/drawing/2015/10/21/chartex" xmlns:cx3="http://schemas.microsoft.com/office/drawing/2016/5/9/chartex" xmlns:cx4="http://schemas.microsoft.com/office/drawing/2016/5/10/chartex" xmlns:cx5="http://schemas.microsoft.com/office/drawing/2016/5/11/chartex" xmlns:cx6="http://schemas.microsoft.com/office/drawing/2016/5/12/chartex" xmlns:cx7="http://schemas.microsoft.com/office/drawing/2016/5/13/chartex" xmlns:cx8="http://schemas.microsoft.com/office/drawing/2016/5/14/chartex" xmlns:aink="http://schemas.microsoft.com/office/drawing/2016/ink" xmlns:am3d="http://schemas.microsoft.com/office/drawing/2017/model3d" xmlns:w16cex="http://schemas.microsoft.com/office/word/2018/wordml/cex" xmlns:w16cid="http://schemas.microsoft.com/office/word/2016/wordml/cid" xmlns:w16="http://schemas.microsoft.com/office/word/2018/wordml" xmlns:ma14="http://schemas.microsoft.com/office/mac/drawingml/2011/main" xmlns:w="http://schemas.openxmlformats.org/wordprocessingml/2006/main" xmlns:w10="urn:schemas-microsoft-com:office:word" xmlns:v="urn:schemas-microsoft-com:vml" xmlns:o="urn:schemas-microsoft-com:office:office" xmlns:mv="urn:schemas-microsoft-com:mac:vml" xmlns:mo="http://schemas.microsoft.com/office/mac/office/2008/main" xmlns:lc="http://schemas.openxmlformats.org/drawingml/2006/lockedCanvas" val="1"/>
             </a:ext>
           </a:extLst>
         </p:spPr>
@@ -35335,7 +35335,7 @@
           </a:prstGeom>
           <a:extLst>
             <a:ext uri="{FAA26D3D-D897-4be2-8F04-BA451C77F1D7}">
-              <ma14:placeholderFlag xmlns:lc="http://schemas.openxmlformats.org/drawingml/2006/lockedCanvas" xmlns:mo="http://schemas.microsoft.com/office/mac/office/2008/main" xmlns:mv="urn:schemas-microsoft-com:mac:vml" xmlns:o="urn:schemas-microsoft-com:office:office" xmlns:v="urn:schemas-microsoft-com:vml" xmlns:w10="urn:schemas-microsoft-com:office:word" xmlns:w="http://schemas.openxmlformats.org/wordprocessingml/2006/main" xmlns:ma14="http://schemas.microsoft.com/office/mac/drawingml/2011/main" xmlns:w16="http://schemas.microsoft.com/office/word/2018/wordml" xmlns:w16cid="http://schemas.microsoft.com/office/word/2016/wordml/cid" xmlns:w16cex="http://schemas.microsoft.com/office/word/2018/wordml/cex" xmlns:am3d="http://schemas.microsoft.com/office/drawing/2017/model3d" xmlns:aink="http://schemas.microsoft.com/office/drawing/2016/ink" xmlns:cx8="http://schemas.microsoft.com/office/drawing/2016/5/14/chartex" xmlns:cx7="http://schemas.microsoft.com/office/drawing/2016/5/13/chartex" xmlns:cx6="http://schemas.microsoft.com/office/drawing/2016/5/12/chartex" xmlns:cx5="http://schemas.microsoft.com/office/drawing/2016/5/11/chartex" xmlns:cx4="http://schemas.microsoft.com/office/drawing/2016/5/10/chartex" xmlns:cx3="http://schemas.microsoft.com/office/drawing/2016/5/9/chartex" xmlns:cx2="http://schemas.microsoft.com/office/drawing/2015/10/21/chartex" xmlns:cx1="http://schemas.microsoft.com/office/drawing/2015/9/8/chartex" xmlns:pic="http://schemas.openxmlformats.org/drawingml/2006/picture" xmlns:wps="http://schemas.microsoft.com/office/word/2010/wordprocessingShape" xmlns:wne="http://schemas.microsoft.com/office/word/2006/wordml" xmlns:wpi="http://schemas.microsoft.com/office/word/2010/wordprocessingInk" xmlns:wpg="http://schemas.microsoft.com/office/word/2010/wordprocessingGroup" xmlns:w16se="http://schemas.microsoft.com/office/word/2015/wordml/symex" xmlns:w15="http://schemas.microsoft.com/office/word/2012/wordml" xmlns:w14="http://schemas.microsoft.com/office/word/2010/wordml" xmlns:wp="http://schemas.openxmlformats.org/drawingml/2006/wordprocessingDrawing" xmlns:wp14="http://schemas.microsoft.com/office/word/2010/wordprocessingDrawing" xmlns:m="http://schemas.openxmlformats.org/officeDocument/2006/math" xmlns:mc="http://schemas.openxmlformats.org/markup-compatibility/2006" xmlns:cx="http://schemas.microsoft.com/office/drawing/2014/chartex" xmlns:wpc="http://schemas.microsoft.com/office/word/2010/wordprocessingCanvas" xmlns="" val="1"/>
+              <ma14:placeholderFlag xmlns="" xmlns:wpc="http://schemas.microsoft.com/office/word/2010/wordprocessingCanvas" xmlns:cx="http://schemas.microsoft.com/office/drawing/2014/chartex" xmlns:mc="http://schemas.openxmlformats.org/markup-compatibility/2006" xmlns:m="http://schemas.openxmlformats.org/officeDocument/2006/math" xmlns:wp14="http://schemas.microsoft.com/office/word/2010/wordprocessingDrawing" xmlns:wp="http://schemas.openxmlformats.org/drawingml/2006/wordprocessingDrawing" xmlns:w14="http://schemas.microsoft.com/office/word/2010/wordml" xmlns:w15="http://schemas.microsoft.com/office/word/2012/wordml" xmlns:w16se="http://schemas.microsoft.com/office/word/2015/wordml/symex" xmlns:wpg="http://schemas.microsoft.com/office/word/2010/wordprocessingGroup" xmlns:wpi="http://schemas.microsoft.com/office/word/2010/wordprocessingInk" xmlns:wne="http://schemas.microsoft.com/office/word/2006/wordml" xmlns:wps="http://schemas.microsoft.com/office/word/2010/wordprocessingShape" xmlns:pic="http://schemas.openxmlformats.org/drawingml/2006/picture" xmlns:cx1="http://schemas.microsoft.com/office/drawing/2015/9/8/chartex" xmlns:cx2="http://schemas.microsoft.com/office/drawing/2015/10/21/chartex" xmlns:cx3="http://schemas.microsoft.com/office/drawing/2016/5/9/chartex" xmlns:cx4="http://schemas.microsoft.com/office/drawing/2016/5/10/chartex" xmlns:cx5="http://schemas.microsoft.com/office/drawing/2016/5/11/chartex" xmlns:cx6="http://schemas.microsoft.com/office/drawing/2016/5/12/chartex" xmlns:cx7="http://schemas.microsoft.com/office/drawing/2016/5/13/chartex" xmlns:cx8="http://schemas.microsoft.com/office/drawing/2016/5/14/chartex" xmlns:aink="http://schemas.microsoft.com/office/drawing/2016/ink" xmlns:am3d="http://schemas.microsoft.com/office/drawing/2017/model3d" xmlns:w16cex="http://schemas.microsoft.com/office/word/2018/wordml/cex" xmlns:w16cid="http://schemas.microsoft.com/office/word/2016/wordml/cid" xmlns:w16="http://schemas.microsoft.com/office/word/2018/wordml" xmlns:ma14="http://schemas.microsoft.com/office/mac/drawingml/2011/main" xmlns:w="http://schemas.openxmlformats.org/wordprocessingml/2006/main" xmlns:w10="urn:schemas-microsoft-com:office:word" xmlns:v="urn:schemas-microsoft-com:vml" xmlns:o="urn:schemas-microsoft-com:office:office" xmlns:mv="urn:schemas-microsoft-com:mac:vml" xmlns:mo="http://schemas.microsoft.com/office/mac/office/2008/main" xmlns:lc="http://schemas.openxmlformats.org/drawingml/2006/lockedCanvas" val="1"/>
             </a:ext>
           </a:extLst>
         </p:spPr>
@@ -35550,7 +35550,7 @@
           </a:prstGeom>
           <a:extLst>
             <a:ext uri="{FAA26D3D-D897-4be2-8F04-BA451C77F1D7}">
-              <ma14:placeholderFlag xmlns:lc="http://schemas.openxmlformats.org/drawingml/2006/lockedCanvas" xmlns:mo="http://schemas.microsoft.com/office/mac/office/2008/main" xmlns:mv="urn:schemas-microsoft-com:mac:vml" xmlns:o="urn:schemas-microsoft-com:office:office" xmlns:v="urn:schemas-microsoft-com:vml" xmlns:w10="urn:schemas-microsoft-com:office:word" xmlns:w="http://schemas.openxmlformats.org/wordprocessingml/2006/main" xmlns:ma14="http://schemas.microsoft.com/office/mac/drawingml/2011/main" xmlns:w16="http://schemas.microsoft.com/office/word/2018/wordml" xmlns:w16cid="http://schemas.microsoft.com/office/word/2016/wordml/cid" xmlns:w16cex="http://schemas.microsoft.com/office/word/2018/wordml/cex" xmlns:am3d="http://schemas.microsoft.com/office/drawing/2017/model3d" xmlns:aink="http://schemas.microsoft.com/office/drawing/2016/ink" xmlns:cx8="http://schemas.microsoft.com/office/drawing/2016/5/14/chartex" xmlns:cx7="http://schemas.microsoft.com/office/drawing/2016/5/13/chartex" xmlns:cx6="http://schemas.microsoft.com/office/drawing/2016/5/12/chartex" xmlns:cx5="http://schemas.microsoft.com/office/drawing/2016/5/11/chartex" xmlns:cx4="http://schemas.microsoft.com/office/drawing/2016/5/10/chartex" xmlns:cx3="http://schemas.microsoft.com/office/drawing/2016/5/9/chartex" xmlns:cx2="http://schemas.microsoft.com/office/drawing/2015/10/21/chartex" xmlns:cx1="http://schemas.microsoft.com/office/drawing/2015/9/8/chartex" xmlns:pic="http://schemas.openxmlformats.org/drawingml/2006/picture" xmlns:wps="http://schemas.microsoft.com/office/word/2010/wordprocessingShape" xmlns:wne="http://schemas.microsoft.com/office/word/2006/wordml" xmlns:wpi="http://schemas.microsoft.com/office/word/2010/wordprocessingInk" xmlns:wpg="http://schemas.microsoft.com/office/word/2010/wordprocessingGroup" xmlns:w16se="http://schemas.microsoft.com/office/word/2015/wordml/symex" xmlns:w15="http://schemas.microsoft.com/office/word/2012/wordml" xmlns:w14="http://schemas.microsoft.com/office/word/2010/wordml" xmlns:wp="http://schemas.openxmlformats.org/drawingml/2006/wordprocessingDrawing" xmlns:wp14="http://schemas.microsoft.com/office/word/2010/wordprocessingDrawing" xmlns:m="http://schemas.openxmlformats.org/officeDocument/2006/math" xmlns:mc="http://schemas.openxmlformats.org/markup-compatibility/2006" xmlns:cx="http://schemas.microsoft.com/office/drawing/2014/chartex" xmlns:wpc="http://schemas.microsoft.com/office/word/2010/wordprocessingCanvas" xmlns="" val="1"/>
+              <ma14:placeholderFlag xmlns="" xmlns:wpc="http://schemas.microsoft.com/office/word/2010/wordprocessingCanvas" xmlns:cx="http://schemas.microsoft.com/office/drawing/2014/chartex" xmlns:mc="http://schemas.openxmlformats.org/markup-compatibility/2006" xmlns:m="http://schemas.openxmlformats.org/officeDocument/2006/math" xmlns:wp14="http://schemas.microsoft.com/office/word/2010/wordprocessingDrawing" xmlns:wp="http://schemas.openxmlformats.org/drawingml/2006/wordprocessingDrawing" xmlns:w14="http://schemas.microsoft.com/office/word/2010/wordml" xmlns:w15="http://schemas.microsoft.com/office/word/2012/wordml" xmlns:w16se="http://schemas.microsoft.com/office/word/2015/wordml/symex" xmlns:wpg="http://schemas.microsoft.com/office/word/2010/wordprocessingGroup" xmlns:wpi="http://schemas.microsoft.com/office/word/2010/wordprocessingInk" xmlns:wne="http://schemas.microsoft.com/office/word/2006/wordml" xmlns:wps="http://schemas.microsoft.com/office/word/2010/wordprocessingShape" xmlns:pic="http://schemas.openxmlformats.org/drawingml/2006/picture" xmlns:cx1="http://schemas.microsoft.com/office/drawing/2015/9/8/chartex" xmlns:cx2="http://schemas.microsoft.com/office/drawing/2015/10/21/chartex" xmlns:cx3="http://schemas.microsoft.com/office/drawing/2016/5/9/chartex" xmlns:cx4="http://schemas.microsoft.com/office/drawing/2016/5/10/chartex" xmlns:cx5="http://schemas.microsoft.com/office/drawing/2016/5/11/chartex" xmlns:cx6="http://schemas.microsoft.com/office/drawing/2016/5/12/chartex" xmlns:cx7="http://schemas.microsoft.com/office/drawing/2016/5/13/chartex" xmlns:cx8="http://schemas.microsoft.com/office/drawing/2016/5/14/chartex" xmlns:aink="http://schemas.microsoft.com/office/drawing/2016/ink" xmlns:am3d="http://schemas.microsoft.com/office/drawing/2017/model3d" xmlns:w16cex="http://schemas.microsoft.com/office/word/2018/wordml/cex" xmlns:w16cid="http://schemas.microsoft.com/office/word/2016/wordml/cid" xmlns:w16="http://schemas.microsoft.com/office/word/2018/wordml" xmlns:ma14="http://schemas.microsoft.com/office/mac/drawingml/2011/main" xmlns:w="http://schemas.openxmlformats.org/wordprocessingml/2006/main" xmlns:w10="urn:schemas-microsoft-com:office:word" xmlns:v="urn:schemas-microsoft-com:vml" xmlns:o="urn:schemas-microsoft-com:office:office" xmlns:mv="urn:schemas-microsoft-com:mac:vml" xmlns:mo="http://schemas.microsoft.com/office/mac/office/2008/main" xmlns:lc="http://schemas.openxmlformats.org/drawingml/2006/lockedCanvas" val="1"/>
             </a:ext>
           </a:extLst>
         </p:spPr>
@@ -35888,7 +35888,7 @@
           </a:prstGeom>
           <a:extLst>
             <a:ext uri="{FAA26D3D-D897-4be2-8F04-BA451C77F1D7}">
-              <ma14:placeholderFlag xmlns:lc="http://schemas.openxmlformats.org/drawingml/2006/lockedCanvas" xmlns:mo="http://schemas.microsoft.com/office/mac/office/2008/main" xmlns:mv="urn:schemas-microsoft-com:mac:vml" xmlns:o="urn:schemas-microsoft-com:office:office" xmlns:v="urn:schemas-microsoft-com:vml" xmlns:w10="urn:schemas-microsoft-com:office:word" xmlns:w="http://schemas.openxmlformats.org/wordprocessingml/2006/main" xmlns:ma14="http://schemas.microsoft.com/office/mac/drawingml/2011/main" xmlns:w16="http://schemas.microsoft.com/office/word/2018/wordml" xmlns:w16cid="http://schemas.microsoft.com/office/word/2016/wordml/cid" xmlns:w16cex="http://schemas.microsoft.com/office/word/2018/wordml/cex" xmlns:am3d="http://schemas.microsoft.com/office/drawing/2017/model3d" xmlns:aink="http://schemas.microsoft.com/office/drawing/2016/ink" xmlns:cx8="http://schemas.microsoft.com/office/drawing/2016/5/14/chartex" xmlns:cx7="http://schemas.microsoft.com/office/drawing/2016/5/13/chartex" xmlns:cx6="http://schemas.microsoft.com/office/drawing/2016/5/12/chartex" xmlns:cx5="http://schemas.microsoft.com/office/drawing/2016/5/11/chartex" xmlns:cx4="http://schemas.microsoft.com/office/drawing/2016/5/10/chartex" xmlns:cx3="http://schemas.microsoft.com/office/drawing/2016/5/9/chartex" xmlns:cx2="http://schemas.microsoft.com/office/drawing/2015/10/21/chartex" xmlns:cx1="http://schemas.microsoft.com/office/drawing/2015/9/8/chartex" xmlns:pic="http://schemas.openxmlformats.org/drawingml/2006/picture" xmlns:wps="http://schemas.microsoft.com/office/word/2010/wordprocessingShape" xmlns:wne="http://schemas.microsoft.com/office/word/2006/wordml" xmlns:wpi="http://schemas.microsoft.com/office/word/2010/wordprocessingInk" xmlns:wpg="http://schemas.microsoft.com/office/word/2010/wordprocessingGroup" xmlns:w16se="http://schemas.microsoft.com/office/word/2015/wordml/symex" xmlns:w15="http://schemas.microsoft.com/office/word/2012/wordml" xmlns:w14="http://schemas.microsoft.com/office/word/2010/wordml" xmlns:wp="http://schemas.openxmlformats.org/drawingml/2006/wordprocessingDrawing" xmlns:wp14="http://schemas.microsoft.com/office/word/2010/wordprocessingDrawing" xmlns:m="http://schemas.openxmlformats.org/officeDocument/2006/math" xmlns:mc="http://schemas.openxmlformats.org/markup-compatibility/2006" xmlns:cx="http://schemas.microsoft.com/office/drawing/2014/chartex" xmlns:wpc="http://schemas.microsoft.com/office/word/2010/wordprocessingCanvas" xmlns="" val="1"/>
+              <ma14:placeholderFlag xmlns="" xmlns:wpc="http://schemas.microsoft.com/office/word/2010/wordprocessingCanvas" xmlns:cx="http://schemas.microsoft.com/office/drawing/2014/chartex" xmlns:mc="http://schemas.openxmlformats.org/markup-compatibility/2006" xmlns:m="http://schemas.openxmlformats.org/officeDocument/2006/math" xmlns:wp14="http://schemas.microsoft.com/office/word/2010/wordprocessingDrawing" xmlns:wp="http://schemas.openxmlformats.org/drawingml/2006/wordprocessingDrawing" xmlns:w14="http://schemas.microsoft.com/office/word/2010/wordml" xmlns:w15="http://schemas.microsoft.com/office/word/2012/wordml" xmlns:w16se="http://schemas.microsoft.com/office/word/2015/wordml/symex" xmlns:wpg="http://schemas.microsoft.com/office/word/2010/wordprocessingGroup" xmlns:wpi="http://schemas.microsoft.com/office/word/2010/wordprocessingInk" xmlns:wne="http://schemas.microsoft.com/office/word/2006/wordml" xmlns:wps="http://schemas.microsoft.com/office/word/2010/wordprocessingShape" xmlns:pic="http://schemas.openxmlformats.org/drawingml/2006/picture" xmlns:cx1="http://schemas.microsoft.com/office/drawing/2015/9/8/chartex" xmlns:cx2="http://schemas.microsoft.com/office/drawing/2015/10/21/chartex" xmlns:cx3="http://schemas.microsoft.com/office/drawing/2016/5/9/chartex" xmlns:cx4="http://schemas.microsoft.com/office/drawing/2016/5/10/chartex" xmlns:cx5="http://schemas.microsoft.com/office/drawing/2016/5/11/chartex" xmlns:cx6="http://schemas.microsoft.com/office/drawing/2016/5/12/chartex" xmlns:cx7="http://schemas.microsoft.com/office/drawing/2016/5/13/chartex" xmlns:cx8="http://schemas.microsoft.com/office/drawing/2016/5/14/chartex" xmlns:aink="http://schemas.microsoft.com/office/drawing/2016/ink" xmlns:am3d="http://schemas.microsoft.com/office/drawing/2017/model3d" xmlns:w16cex="http://schemas.microsoft.com/office/word/2018/wordml/cex" xmlns:w16cid="http://schemas.microsoft.com/office/word/2016/wordml/cid" xmlns:w16="http://schemas.microsoft.com/office/word/2018/wordml" xmlns:ma14="http://schemas.microsoft.com/office/mac/drawingml/2011/main" xmlns:w="http://schemas.openxmlformats.org/wordprocessingml/2006/main" xmlns:w10="urn:schemas-microsoft-com:office:word" xmlns:v="urn:schemas-microsoft-com:vml" xmlns:o="urn:schemas-microsoft-com:office:office" xmlns:mv="urn:schemas-microsoft-com:mac:vml" xmlns:mo="http://schemas.microsoft.com/office/mac/office/2008/main" xmlns:lc="http://schemas.openxmlformats.org/drawingml/2006/lockedCanvas" val="1"/>
             </a:ext>
           </a:extLst>
         </p:spPr>
@@ -36092,7 +36092,7 @@
           </a:prstGeom>
           <a:extLst>
             <a:ext uri="{FAA26D3D-D897-4be2-8F04-BA451C77F1D7}">
-              <ma14:placeholderFlag xmlns:lc="http://schemas.openxmlformats.org/drawingml/2006/lockedCanvas" xmlns:mo="http://schemas.microsoft.com/office/mac/office/2008/main" xmlns:mv="urn:schemas-microsoft-com:mac:vml" xmlns:o="urn:schemas-microsoft-com:office:office" xmlns:v="urn:schemas-microsoft-com:vml" xmlns:w10="urn:schemas-microsoft-com:office:word" xmlns:w="http://schemas.openxmlformats.org/wordprocessingml/2006/main" xmlns:ma14="http://schemas.microsoft.com/office/mac/drawingml/2011/main" xmlns:w16="http://schemas.microsoft.com/office/word/2018/wordml" xmlns:w16cid="http://schemas.microsoft.com/office/word/2016/wordml/cid" xmlns:w16cex="http://schemas.microsoft.com/office/word/2018/wordml/cex" xmlns:am3d="http://schemas.microsoft.com/office/drawing/2017/model3d" xmlns:aink="http://schemas.microsoft.com/office/drawing/2016/ink" xmlns:cx8="http://schemas.microsoft.com/office/drawing/2016/5/14/chartex" xmlns:cx7="http://schemas.microsoft.com/office/drawing/2016/5/13/chartex" xmlns:cx6="http://schemas.microsoft.com/office/drawing/2016/5/12/chartex" xmlns:cx5="http://schemas.microsoft.com/office/drawing/2016/5/11/chartex" xmlns:cx4="http://schemas.microsoft.com/office/drawing/2016/5/10/chartex" xmlns:cx3="http://schemas.microsoft.com/office/drawing/2016/5/9/chartex" xmlns:cx2="http://schemas.microsoft.com/office/drawing/2015/10/21/chartex" xmlns:cx1="http://schemas.microsoft.com/office/drawing/2015/9/8/chartex" xmlns:pic="http://schemas.openxmlformats.org/drawingml/2006/picture" xmlns:wps="http://schemas.microsoft.com/office/word/2010/wordprocessingShape" xmlns:wne="http://schemas.microsoft.com/office/word/2006/wordml" xmlns:wpi="http://schemas.microsoft.com/office/word/2010/wordprocessingInk" xmlns:wpg="http://schemas.microsoft.com/office/word/2010/wordprocessingGroup" xmlns:w16se="http://schemas.microsoft.com/office/word/2015/wordml/symex" xmlns:w15="http://schemas.microsoft.com/office/word/2012/wordml" xmlns:w14="http://schemas.microsoft.com/office/word/2010/wordml" xmlns:wp="http://schemas.openxmlformats.org/drawingml/2006/wordprocessingDrawing" xmlns:wp14="http://schemas.microsoft.com/office/word/2010/wordprocessingDrawing" xmlns:m="http://schemas.openxmlformats.org/officeDocument/2006/math" xmlns:mc="http://schemas.openxmlformats.org/markup-compatibility/2006" xmlns:cx="http://schemas.microsoft.com/office/drawing/2014/chartex" xmlns:wpc="http://schemas.microsoft.com/office/word/2010/wordprocessingCanvas" xmlns="" val="1"/>
+              <ma14:placeholderFlag xmlns="" xmlns:wpc="http://schemas.microsoft.com/office/word/2010/wordprocessingCanvas" xmlns:cx="http://schemas.microsoft.com/office/drawing/2014/chartex" xmlns:mc="http://schemas.openxmlformats.org/markup-compatibility/2006" xmlns:m="http://schemas.openxmlformats.org/officeDocument/2006/math" xmlns:wp14="http://schemas.microsoft.com/office/word/2010/wordprocessingDrawing" xmlns:wp="http://schemas.openxmlformats.org/drawingml/2006/wordprocessingDrawing" xmlns:w14="http://schemas.microsoft.com/office/word/2010/wordml" xmlns:w15="http://schemas.microsoft.com/office/word/2012/wordml" xmlns:w16se="http://schemas.microsoft.com/office/word/2015/wordml/symex" xmlns:wpg="http://schemas.microsoft.com/office/word/2010/wordprocessingGroup" xmlns:wpi="http://schemas.microsoft.com/office/word/2010/wordprocessingInk" xmlns:wne="http://schemas.microsoft.com/office/word/2006/wordml" xmlns:wps="http://schemas.microsoft.com/office/word/2010/wordprocessingShape" xmlns:pic="http://schemas.openxmlformats.org/drawingml/2006/picture" xmlns:cx1="http://schemas.microsoft.com/office/drawing/2015/9/8/chartex" xmlns:cx2="http://schemas.microsoft.com/office/drawing/2015/10/21/chartex" xmlns:cx3="http://schemas.microsoft.com/office/drawing/2016/5/9/chartex" xmlns:cx4="http://schemas.microsoft.com/office/drawing/2016/5/10/chartex" xmlns:cx5="http://schemas.microsoft.com/office/drawing/2016/5/11/chartex" xmlns:cx6="http://schemas.microsoft.com/office/drawing/2016/5/12/chartex" xmlns:cx7="http://schemas.microsoft.com/office/drawing/2016/5/13/chartex" xmlns:cx8="http://schemas.microsoft.com/office/drawing/2016/5/14/chartex" xmlns:aink="http://schemas.microsoft.com/office/drawing/2016/ink" xmlns:am3d="http://schemas.microsoft.com/office/drawing/2017/model3d" xmlns:w16cex="http://schemas.microsoft.com/office/word/2018/wordml/cex" xmlns:w16cid="http://schemas.microsoft.com/office/word/2016/wordml/cid" xmlns:w16="http://schemas.microsoft.com/office/word/2018/wordml" xmlns:ma14="http://schemas.microsoft.com/office/mac/drawingml/2011/main" xmlns:w="http://schemas.openxmlformats.org/wordprocessingml/2006/main" xmlns:w10="urn:schemas-microsoft-com:office:word" xmlns:v="urn:schemas-microsoft-com:vml" xmlns:o="urn:schemas-microsoft-com:office:office" xmlns:mv="urn:schemas-microsoft-com:mac:vml" xmlns:mo="http://schemas.microsoft.com/office/mac/office/2008/main" xmlns:lc="http://schemas.openxmlformats.org/drawingml/2006/lockedCanvas" val="1"/>
             </a:ext>
           </a:extLst>
         </p:spPr>
@@ -36309,7 +36309,7 @@
           </a:prstGeom>
           <a:extLst>
             <a:ext uri="{FAA26D3D-D897-4be2-8F04-BA451C77F1D7}">
-              <ma14:placeholderFlag xmlns:lc="http://schemas.openxmlformats.org/drawingml/2006/lockedCanvas" xmlns:mo="http://schemas.microsoft.com/office/mac/office/2008/main" xmlns:mv="urn:schemas-microsoft-com:mac:vml" xmlns:o="urn:schemas-microsoft-com:office:office" xmlns:v="urn:schemas-microsoft-com:vml" xmlns:w10="urn:schemas-microsoft-com:office:word" xmlns:w="http://schemas.openxmlformats.org/wordprocessingml/2006/main" xmlns:ma14="http://schemas.microsoft.com/office/mac/drawingml/2011/main" xmlns:w16="http://schemas.microsoft.com/office/word/2018/wordml" xmlns:w16cid="http://schemas.microsoft.com/office/word/2016/wordml/cid" xmlns:w16cex="http://schemas.microsoft.com/office/word/2018/wordml/cex" xmlns:am3d="http://schemas.microsoft.com/office/drawing/2017/model3d" xmlns:aink="http://schemas.microsoft.com/office/drawing/2016/ink" xmlns:cx8="http://schemas.microsoft.com/office/drawing/2016/5/14/chartex" xmlns:cx7="http://schemas.microsoft.com/office/drawing/2016/5/13/chartex" xmlns:cx6="http://schemas.microsoft.com/office/drawing/2016/5/12/chartex" xmlns:cx5="http://schemas.microsoft.com/office/drawing/2016/5/11/chartex" xmlns:cx4="http://schemas.microsoft.com/office/drawing/2016/5/10/chartex" xmlns:cx3="http://schemas.microsoft.com/office/drawing/2016/5/9/chartex" xmlns:cx2="http://schemas.microsoft.com/office/drawing/2015/10/21/chartex" xmlns:cx1="http://schemas.microsoft.com/office/drawing/2015/9/8/chartex" xmlns:pic="http://schemas.openxmlformats.org/drawingml/2006/picture" xmlns:wps="http://schemas.microsoft.com/office/word/2010/wordprocessingShape" xmlns:wne="http://schemas.microsoft.com/office/word/2006/wordml" xmlns:wpi="http://schemas.microsoft.com/office/word/2010/wordprocessingInk" xmlns:wpg="http://schemas.microsoft.com/office/word/2010/wordprocessingGroup" xmlns:w16se="http://schemas.microsoft.com/office/word/2015/wordml/symex" xmlns:w15="http://schemas.microsoft.com/office/word/2012/wordml" xmlns:w14="http://schemas.microsoft.com/office/word/2010/wordml" xmlns:wp="http://schemas.openxmlformats.org/drawingml/2006/wordprocessingDrawing" xmlns:wp14="http://schemas.microsoft.com/office/word/2010/wordprocessingDrawing" xmlns:m="http://schemas.openxmlformats.org/officeDocument/2006/math" xmlns:mc="http://schemas.openxmlformats.org/markup-compatibility/2006" xmlns:cx="http://schemas.microsoft.com/office/drawing/2014/chartex" xmlns:wpc="http://schemas.microsoft.com/office/word/2010/wordprocessingCanvas" xmlns="" val="1"/>
+              <ma14:placeholderFlag xmlns="" xmlns:wpc="http://schemas.microsoft.com/office/word/2010/wordprocessingCanvas" xmlns:cx="http://schemas.microsoft.com/office/drawing/2014/chartex" xmlns:mc="http://schemas.openxmlformats.org/markup-compatibility/2006" xmlns:m="http://schemas.openxmlformats.org/officeDocument/2006/math" xmlns:wp14="http://schemas.microsoft.com/office/word/2010/wordprocessingDrawing" xmlns:wp="http://schemas.openxmlformats.org/drawingml/2006/wordprocessingDrawing" xmlns:w14="http://schemas.microsoft.com/office/word/2010/wordml" xmlns:w15="http://schemas.microsoft.com/office/word/2012/wordml" xmlns:w16se="http://schemas.microsoft.com/office/word/2015/wordml/symex" xmlns:wpg="http://schemas.microsoft.com/office/word/2010/wordprocessingGroup" xmlns:wpi="http://schemas.microsoft.com/office/word/2010/wordprocessingInk" xmlns:wne="http://schemas.microsoft.com/office/word/2006/wordml" xmlns:wps="http://schemas.microsoft.com/office/word/2010/wordprocessingShape" xmlns:pic="http://schemas.openxmlformats.org/drawingml/2006/picture" xmlns:cx1="http://schemas.microsoft.com/office/drawing/2015/9/8/chartex" xmlns:cx2="http://schemas.microsoft.com/office/drawing/2015/10/21/chartex" xmlns:cx3="http://schemas.microsoft.com/office/drawing/2016/5/9/chartex" xmlns:cx4="http://schemas.microsoft.com/office/drawing/2016/5/10/chartex" xmlns:cx5="http://schemas.microsoft.com/office/drawing/2016/5/11/chartex" xmlns:cx6="http://schemas.microsoft.com/office/drawing/2016/5/12/chartex" xmlns:cx7="http://schemas.microsoft.com/office/drawing/2016/5/13/chartex" xmlns:cx8="http://schemas.microsoft.com/office/drawing/2016/5/14/chartex" xmlns:aink="http://schemas.microsoft.com/office/drawing/2016/ink" xmlns:am3d="http://schemas.microsoft.com/office/drawing/2017/model3d" xmlns:w16cex="http://schemas.microsoft.com/office/word/2018/wordml/cex" xmlns:w16cid="http://schemas.microsoft.com/office/word/2016/wordml/cid" xmlns:w16="http://schemas.microsoft.com/office/word/2018/wordml" xmlns:ma14="http://schemas.microsoft.com/office/mac/drawingml/2011/main" xmlns:w="http://schemas.openxmlformats.org/wordprocessingml/2006/main" xmlns:w10="urn:schemas-microsoft-com:office:word" xmlns:v="urn:schemas-microsoft-com:vml" xmlns:o="urn:schemas-microsoft-com:office:office" xmlns:mv="urn:schemas-microsoft-com:mac:vml" xmlns:mo="http://schemas.microsoft.com/office/mac/office/2008/main" xmlns:lc="http://schemas.openxmlformats.org/drawingml/2006/lockedCanvas" val="1"/>
             </a:ext>
           </a:extLst>
         </p:spPr>
@@ -36363,10 +36363,10 @@
       </p:pic>
       <p:pic>
         <p:nvPicPr>
-          <p:cNvPr id="3" name="Imagen 2">
+          <p:cNvPr id="4" name="Imagen 3">
             <a:extLst>
               <a:ext uri="{FF2B5EF4-FFF2-40B4-BE49-F238E27FC236}">
-                <a16:creationId xmlns:a16="http://schemas.microsoft.com/office/drawing/2014/main" id="{F14C2521-22E7-D8C9-2A01-AC4DDAA01C74}"/>
+                <a16:creationId xmlns:a16="http://schemas.microsoft.com/office/drawing/2014/main" id="{B8D3312A-493A-C9EE-35E0-A3E363DD0B02}"/>
               </a:ext>
             </a:extLst>
           </p:cNvPr>
@@ -36383,8 +36383,8 @@
         </p:blipFill>
         <p:spPr>
           <a:xfrm>
-            <a:off x="3061713" y="1450798"/>
-            <a:ext cx="8358777" cy="3743501"/>
+            <a:off x="2885311" y="1354199"/>
+            <a:ext cx="8893862" cy="4281332"/>
           </a:xfrm>
           <a:prstGeom prst="rect">
             <a:avLst/>
@@ -36563,7 +36563,7 @@
           </a:prstGeom>
           <a:extLst>
             <a:ext uri="{FAA26D3D-D897-4be2-8F04-BA451C77F1D7}">
-              <ma14:placeholderFlag xmlns:lc="http://schemas.openxmlformats.org/drawingml/2006/lockedCanvas" xmlns:mo="http://schemas.microsoft.com/office/mac/office/2008/main" xmlns:mv="urn:schemas-microsoft-com:mac:vml" xmlns:o="urn:schemas-microsoft-com:office:office" xmlns:v="urn:schemas-microsoft-com:vml" xmlns:w10="urn:schemas-microsoft-com:office:word" xmlns:w="http://schemas.openxmlformats.org/wordprocessingml/2006/main" xmlns:ma14="http://schemas.microsoft.com/office/mac/drawingml/2011/main" xmlns:w16="http://schemas.microsoft.com/office/word/2018/wordml" xmlns:w16cid="http://schemas.microsoft.com/office/word/2016/wordml/cid" xmlns:w16cex="http://schemas.microsoft.com/office/word/2018/wordml/cex" xmlns:am3d="http://schemas.microsoft.com/office/drawing/2017/model3d" xmlns:aink="http://schemas.microsoft.com/office/drawing/2016/ink" xmlns:cx8="http://schemas.microsoft.com/office/drawing/2016/5/14/chartex" xmlns:cx7="http://schemas.microsoft.com/office/drawing/2016/5/13/chartex" xmlns:cx6="http://schemas.microsoft.com/office/drawing/2016/5/12/chartex" xmlns:cx5="http://schemas.microsoft.com/office/drawing/2016/5/11/chartex" xmlns:cx4="http://schemas.microsoft.com/office/drawing/2016/5/10/chartex" xmlns:cx3="http://schemas.microsoft.com/office/drawing/2016/5/9/chartex" xmlns:cx2="http://schemas.microsoft.com/office/drawing/2015/10/21/chartex" xmlns:cx1="http://schemas.microsoft.com/office/drawing/2015/9/8/chartex" xmlns:pic="http://schemas.openxmlformats.org/drawingml/2006/picture" xmlns:wps="http://schemas.microsoft.com/office/word/2010/wordprocessingShape" xmlns:wne="http://schemas.microsoft.com/office/word/2006/wordml" xmlns:wpi="http://schemas.microsoft.com/office/word/2010/wordprocessingInk" xmlns:wpg="http://schemas.microsoft.com/office/word/2010/wordprocessingGroup" xmlns:w16se="http://schemas.microsoft.com/office/word/2015/wordml/symex" xmlns:w15="http://schemas.microsoft.com/office/word/2012/wordml" xmlns:w14="http://schemas.microsoft.com/office/word/2010/wordml" xmlns:wp="http://schemas.openxmlformats.org/drawingml/2006/wordprocessingDrawing" xmlns:wp14="http://schemas.microsoft.com/office/word/2010/wordprocessingDrawing" xmlns:m="http://schemas.openxmlformats.org/officeDocument/2006/math" xmlns:mc="http://schemas.openxmlformats.org/markup-compatibility/2006" xmlns:cx="http://schemas.microsoft.com/office/drawing/2014/chartex" xmlns:wpc="http://schemas.microsoft.com/office/word/2010/wordprocessingCanvas" xmlns="" val="1"/>
+              <ma14:placeholderFlag xmlns="" xmlns:wpc="http://schemas.microsoft.com/office/word/2010/wordprocessingCanvas" xmlns:cx="http://schemas.microsoft.com/office/drawing/2014/chartex" xmlns:mc="http://schemas.openxmlformats.org/markup-compatibility/2006" xmlns:m="http://schemas.openxmlformats.org/officeDocument/2006/math" xmlns:wp14="http://schemas.microsoft.com/office/word/2010/wordprocessingDrawing" xmlns:wp="http://schemas.openxmlformats.org/drawingml/2006/wordprocessingDrawing" xmlns:w14="http://schemas.microsoft.com/office/word/2010/wordml" xmlns:w15="http://schemas.microsoft.com/office/word/2012/wordml" xmlns:w16se="http://schemas.microsoft.com/office/word/2015/wordml/symex" xmlns:wpg="http://schemas.microsoft.com/office/word/2010/wordprocessingGroup" xmlns:wpi="http://schemas.microsoft.com/office/word/2010/wordprocessingInk" xmlns:wne="http://schemas.microsoft.com/office/word/2006/wordml" xmlns:wps="http://schemas.microsoft.com/office/word/2010/wordprocessingShape" xmlns:pic="http://schemas.openxmlformats.org/drawingml/2006/picture" xmlns:cx1="http://schemas.microsoft.com/office/drawing/2015/9/8/chartex" xmlns:cx2="http://schemas.microsoft.com/office/drawing/2015/10/21/chartex" xmlns:cx3="http://schemas.microsoft.com/office/drawing/2016/5/9/chartex" xmlns:cx4="http://schemas.microsoft.com/office/drawing/2016/5/10/chartex" xmlns:cx5="http://schemas.microsoft.com/office/drawing/2016/5/11/chartex" xmlns:cx6="http://schemas.microsoft.com/office/drawing/2016/5/12/chartex" xmlns:cx7="http://schemas.microsoft.com/office/drawing/2016/5/13/chartex" xmlns:cx8="http://schemas.microsoft.com/office/drawing/2016/5/14/chartex" xmlns:aink="http://schemas.microsoft.com/office/drawing/2016/ink" xmlns:am3d="http://schemas.microsoft.com/office/drawing/2017/model3d" xmlns:w16cex="http://schemas.microsoft.com/office/word/2018/wordml/cex" xmlns:w16cid="http://schemas.microsoft.com/office/word/2016/wordml/cid" xmlns:w16="http://schemas.microsoft.com/office/word/2018/wordml" xmlns:ma14="http://schemas.microsoft.com/office/mac/drawingml/2011/main" xmlns:w="http://schemas.openxmlformats.org/wordprocessingml/2006/main" xmlns:w10="urn:schemas-microsoft-com:office:word" xmlns:v="urn:schemas-microsoft-com:vml" xmlns:o="urn:schemas-microsoft-com:office:office" xmlns:mv="urn:schemas-microsoft-com:mac:vml" xmlns:mo="http://schemas.microsoft.com/office/mac/office/2008/main" xmlns:lc="http://schemas.openxmlformats.org/drawingml/2006/lockedCanvas" val="1"/>
             </a:ext>
           </a:extLst>
         </p:spPr>
@@ -36779,7 +36779,7 @@
           </a:prstGeom>
           <a:extLst>
             <a:ext uri="{FAA26D3D-D897-4be2-8F04-BA451C77F1D7}">
-              <ma14:placeholderFlag xmlns:lc="http://schemas.openxmlformats.org/drawingml/2006/lockedCanvas" xmlns:mo="http://schemas.microsoft.com/office/mac/office/2008/main" xmlns:mv="urn:schemas-microsoft-com:mac:vml" xmlns:o="urn:schemas-microsoft-com:office:office" xmlns:v="urn:schemas-microsoft-com:vml" xmlns:w10="urn:schemas-microsoft-com:office:word" xmlns:w="http://schemas.openxmlformats.org/wordprocessingml/2006/main" xmlns:ma14="http://schemas.microsoft.com/office/mac/drawingml/2011/main" xmlns:w16="http://schemas.microsoft.com/office/word/2018/wordml" xmlns:w16cid="http://schemas.microsoft.com/office/word/2016/wordml/cid" xmlns:w16cex="http://schemas.microsoft.com/office/word/2018/wordml/cex" xmlns:am3d="http://schemas.microsoft.com/office/drawing/2017/model3d" xmlns:aink="http://schemas.microsoft.com/office/drawing/2016/ink" xmlns:cx8="http://schemas.microsoft.com/office/drawing/2016/5/14/chartex" xmlns:cx7="http://schemas.microsoft.com/office/drawing/2016/5/13/chartex" xmlns:cx6="http://schemas.microsoft.com/office/drawing/2016/5/12/chartex" xmlns:cx5="http://schemas.microsoft.com/office/drawing/2016/5/11/chartex" xmlns:cx4="http://schemas.microsoft.com/office/drawing/2016/5/10/chartex" xmlns:cx3="http://schemas.microsoft.com/office/drawing/2016/5/9/chartex" xmlns:cx2="http://schemas.microsoft.com/office/drawing/2015/10/21/chartex" xmlns:cx1="http://schemas.microsoft.com/office/drawing/2015/9/8/chartex" xmlns:pic="http://schemas.openxmlformats.org/drawingml/2006/picture" xmlns:wps="http://schemas.microsoft.com/office/word/2010/wordprocessingShape" xmlns:wne="http://schemas.microsoft.com/office/word/2006/wordml" xmlns:wpi="http://schemas.microsoft.com/office/word/2010/wordprocessingInk" xmlns:wpg="http://schemas.microsoft.com/office/word/2010/wordprocessingGroup" xmlns:w16se="http://schemas.microsoft.com/office/word/2015/wordml/symex" xmlns:w15="http://schemas.microsoft.com/office/word/2012/wordml" xmlns:w14="http://schemas.microsoft.com/office/word/2010/wordml" xmlns:wp="http://schemas.openxmlformats.org/drawingml/2006/wordprocessingDrawing" xmlns:wp14="http://schemas.microsoft.com/office/word/2010/wordprocessingDrawing" xmlns:m="http://schemas.openxmlformats.org/officeDocument/2006/math" xmlns:mc="http://schemas.openxmlformats.org/markup-compatibility/2006" xmlns:cx="http://schemas.microsoft.com/office/drawing/2014/chartex" xmlns:wpc="http://schemas.microsoft.com/office/word/2010/wordprocessingCanvas" xmlns="" val="1"/>
+              <ma14:placeholderFlag xmlns="" xmlns:wpc="http://schemas.microsoft.com/office/word/2010/wordprocessingCanvas" xmlns:cx="http://schemas.microsoft.com/office/drawing/2014/chartex" xmlns:mc="http://schemas.openxmlformats.org/markup-compatibility/2006" xmlns:m="http://schemas.openxmlformats.org/officeDocument/2006/math" xmlns:wp14="http://schemas.microsoft.com/office/word/2010/wordprocessingDrawing" xmlns:wp="http://schemas.openxmlformats.org/drawingml/2006/wordprocessingDrawing" xmlns:w14="http://schemas.microsoft.com/office/word/2010/wordml" xmlns:w15="http://schemas.microsoft.com/office/word/2012/wordml" xmlns:w16se="http://schemas.microsoft.com/office/word/2015/wordml/symex" xmlns:wpg="http://schemas.microsoft.com/office/word/2010/wordprocessingGroup" xmlns:wpi="http://schemas.microsoft.com/office/word/2010/wordprocessingInk" xmlns:wne="http://schemas.microsoft.com/office/word/2006/wordml" xmlns:wps="http://schemas.microsoft.com/office/word/2010/wordprocessingShape" xmlns:pic="http://schemas.openxmlformats.org/drawingml/2006/picture" xmlns:cx1="http://schemas.microsoft.com/office/drawing/2015/9/8/chartex" xmlns:cx2="http://schemas.microsoft.com/office/drawing/2015/10/21/chartex" xmlns:cx3="http://schemas.microsoft.com/office/drawing/2016/5/9/chartex" xmlns:cx4="http://schemas.microsoft.com/office/drawing/2016/5/10/chartex" xmlns:cx5="http://schemas.microsoft.com/office/drawing/2016/5/11/chartex" xmlns:cx6="http://schemas.microsoft.com/office/drawing/2016/5/12/chartex" xmlns:cx7="http://schemas.microsoft.com/office/drawing/2016/5/13/chartex" xmlns:cx8="http://schemas.microsoft.com/office/drawing/2016/5/14/chartex" xmlns:aink="http://schemas.microsoft.com/office/drawing/2016/ink" xmlns:am3d="http://schemas.microsoft.com/office/drawing/2017/model3d" xmlns:w16cex="http://schemas.microsoft.com/office/word/2018/wordml/cex" xmlns:w16cid="http://schemas.microsoft.com/office/word/2016/wordml/cid" xmlns:w16="http://schemas.microsoft.com/office/word/2018/wordml" xmlns:ma14="http://schemas.microsoft.com/office/mac/drawingml/2011/main" xmlns:w="http://schemas.openxmlformats.org/wordprocessingml/2006/main" xmlns:w10="urn:schemas-microsoft-com:office:word" xmlns:v="urn:schemas-microsoft-com:vml" xmlns:o="urn:schemas-microsoft-com:office:office" xmlns:mv="urn:schemas-microsoft-com:mac:vml" xmlns:mo="http://schemas.microsoft.com/office/mac/office/2008/main" xmlns:lc="http://schemas.openxmlformats.org/drawingml/2006/lockedCanvas" val="1"/>
             </a:ext>
           </a:extLst>
         </p:spPr>
@@ -37068,7 +37068,7 @@
           </a:prstGeom>
           <a:extLst>
             <a:ext uri="{FAA26D3D-D897-4be2-8F04-BA451C77F1D7}">
-              <ma14:placeholderFlag xmlns:lc="http://schemas.openxmlformats.org/drawingml/2006/lockedCanvas" xmlns:mo="http://schemas.microsoft.com/office/mac/office/2008/main" xmlns:mv="urn:schemas-microsoft-com:mac:vml" xmlns:o="urn:schemas-microsoft-com:office:office" xmlns:v="urn:schemas-microsoft-com:vml" xmlns:w10="urn:schemas-microsoft-com:office:word" xmlns:w="http://schemas.openxmlformats.org/wordprocessingml/2006/main" xmlns:ma14="http://schemas.microsoft.com/office/mac/drawingml/2011/main" xmlns:w16="http://schemas.microsoft.com/office/word/2018/wordml" xmlns:w16cid="http://schemas.microsoft.com/office/word/2016/wordml/cid" xmlns:w16cex="http://schemas.microsoft.com/office/word/2018/wordml/cex" xmlns:am3d="http://schemas.microsoft.com/office/drawing/2017/model3d" xmlns:aink="http://schemas.microsoft.com/office/drawing/2016/ink" xmlns:cx8="http://schemas.microsoft.com/office/drawing/2016/5/14/chartex" xmlns:cx7="http://schemas.microsoft.com/office/drawing/2016/5/13/chartex" xmlns:cx6="http://schemas.microsoft.com/office/drawing/2016/5/12/chartex" xmlns:cx5="http://schemas.microsoft.com/office/drawing/2016/5/11/chartex" xmlns:cx4="http://schemas.microsoft.com/office/drawing/2016/5/10/chartex" xmlns:cx3="http://schemas.microsoft.com/office/drawing/2016/5/9/chartex" xmlns:cx2="http://schemas.microsoft.com/office/drawing/2015/10/21/chartex" xmlns:cx1="http://schemas.microsoft.com/office/drawing/2015/9/8/chartex" xmlns:pic="http://schemas.openxmlformats.org/drawingml/2006/picture" xmlns:wps="http://schemas.microsoft.com/office/word/2010/wordprocessingShape" xmlns:wne="http://schemas.microsoft.com/office/word/2006/wordml" xmlns:wpi="http://schemas.microsoft.com/office/word/2010/wordprocessingInk" xmlns:wpg="http://schemas.microsoft.com/office/word/2010/wordprocessingGroup" xmlns:w16se="http://schemas.microsoft.com/office/word/2015/wordml/symex" xmlns:w15="http://schemas.microsoft.com/office/word/2012/wordml" xmlns:w14="http://schemas.microsoft.com/office/word/2010/wordml" xmlns:wp="http://schemas.openxmlformats.org/drawingml/2006/wordprocessingDrawing" xmlns:wp14="http://schemas.microsoft.com/office/word/2010/wordprocessingDrawing" xmlns:m="http://schemas.openxmlformats.org/officeDocument/2006/math" xmlns:mc="http://schemas.openxmlformats.org/markup-compatibility/2006" xmlns:cx="http://schemas.microsoft.com/office/drawing/2014/chartex" xmlns:wpc="http://schemas.microsoft.com/office/word/2010/wordprocessingCanvas" xmlns="" val="1"/>
+              <ma14:placeholderFlag xmlns="" xmlns:wpc="http://schemas.microsoft.com/office/word/2010/wordprocessingCanvas" xmlns:cx="http://schemas.microsoft.com/office/drawing/2014/chartex" xmlns:mc="http://schemas.openxmlformats.org/markup-compatibility/2006" xmlns:m="http://schemas.openxmlformats.org/officeDocument/2006/math" xmlns:wp14="http://schemas.microsoft.com/office/word/2010/wordprocessingDrawing" xmlns:wp="http://schemas.openxmlformats.org/drawingml/2006/wordprocessingDrawing" xmlns:w14="http://schemas.microsoft.com/office/word/2010/wordml" xmlns:w15="http://schemas.microsoft.com/office/word/2012/wordml" xmlns:w16se="http://schemas.microsoft.com/office/word/2015/wordml/symex" xmlns:wpg="http://schemas.microsoft.com/office/word/2010/wordprocessingGroup" xmlns:wpi="http://schemas.microsoft.com/office/word/2010/wordprocessingInk" xmlns:wne="http://schemas.microsoft.com/office/word/2006/wordml" xmlns:wps="http://schemas.microsoft.com/office/word/2010/wordprocessingShape" xmlns:pic="http://schemas.openxmlformats.org/drawingml/2006/picture" xmlns:cx1="http://schemas.microsoft.com/office/drawing/2015/9/8/chartex" xmlns:cx2="http://schemas.microsoft.com/office/drawing/2015/10/21/chartex" xmlns:cx3="http://schemas.microsoft.com/office/drawing/2016/5/9/chartex" xmlns:cx4="http://schemas.microsoft.com/office/drawing/2016/5/10/chartex" xmlns:cx5="http://schemas.microsoft.com/office/drawing/2016/5/11/chartex" xmlns:cx6="http://schemas.microsoft.com/office/drawing/2016/5/12/chartex" xmlns:cx7="http://schemas.microsoft.com/office/drawing/2016/5/13/chartex" xmlns:cx8="http://schemas.microsoft.com/office/drawing/2016/5/14/chartex" xmlns:aink="http://schemas.microsoft.com/office/drawing/2016/ink" xmlns:am3d="http://schemas.microsoft.com/office/drawing/2017/model3d" xmlns:w16cex="http://schemas.microsoft.com/office/word/2018/wordml/cex" xmlns:w16cid="http://schemas.microsoft.com/office/word/2016/wordml/cid" xmlns:w16="http://schemas.microsoft.com/office/word/2018/wordml" xmlns:ma14="http://schemas.microsoft.com/office/mac/drawingml/2011/main" xmlns:w="http://schemas.openxmlformats.org/wordprocessingml/2006/main" xmlns:w10="urn:schemas-microsoft-com:office:word" xmlns:v="urn:schemas-microsoft-com:vml" xmlns:o="urn:schemas-microsoft-com:office:office" xmlns:mv="urn:schemas-microsoft-com:mac:vml" xmlns:mo="http://schemas.microsoft.com/office/mac/office/2008/main" xmlns:lc="http://schemas.openxmlformats.org/drawingml/2006/lockedCanvas" val="1"/>
             </a:ext>
           </a:extLst>
         </p:spPr>
@@ -37378,7 +37378,7 @@
           </a:prstGeom>
           <a:extLst>
             <a:ext uri="{FAA26D3D-D897-4be2-8F04-BA451C77F1D7}">
-              <ma14:placeholderFlag xmlns:wpc="http://schemas.microsoft.com/office/word/2010/wordprocessingCanvas" xmlns:cx="http://schemas.microsoft.com/office/drawing/2014/chartex" xmlns:mc="http://schemas.openxmlformats.org/markup-compatibility/2006" xmlns:m="http://schemas.openxmlformats.org/officeDocument/2006/math" xmlns:wp14="http://schemas.microsoft.com/office/word/2010/wordprocessingDrawing" xmlns:wp="http://schemas.openxmlformats.org/drawingml/2006/wordprocessingDrawing" xmlns:w14="http://schemas.microsoft.com/office/word/2010/wordml" xmlns:w15="http://schemas.microsoft.com/office/word/2012/wordml" xmlns:w16se="http://schemas.microsoft.com/office/word/2015/wordml/symex" xmlns:wpg="http://schemas.microsoft.com/office/word/2010/wordprocessingGroup" xmlns:wpi="http://schemas.microsoft.com/office/word/2010/wordprocessingInk" xmlns:wne="http://schemas.microsoft.com/office/word/2006/wordml" xmlns:wps="http://schemas.microsoft.com/office/word/2010/wordprocessingShape" xmlns:pic="http://schemas.openxmlformats.org/drawingml/2006/picture" xmlns:cx1="http://schemas.microsoft.com/office/drawing/2015/9/8/chartex" xmlns:cx2="http://schemas.microsoft.com/office/drawing/2015/10/21/chartex" xmlns:cx3="http://schemas.microsoft.com/office/drawing/2016/5/9/chartex" xmlns:cx4="http://schemas.microsoft.com/office/drawing/2016/5/10/chartex" xmlns:cx5="http://schemas.microsoft.com/office/drawing/2016/5/11/chartex" xmlns:cx6="http://schemas.microsoft.com/office/drawing/2016/5/12/chartex" xmlns:cx7="http://schemas.microsoft.com/office/drawing/2016/5/13/chartex" xmlns:cx8="http://schemas.microsoft.com/office/drawing/2016/5/14/chartex" xmlns:aink="http://schemas.microsoft.com/office/drawing/2016/ink" xmlns:am3d="http://schemas.microsoft.com/office/drawing/2017/model3d" xmlns:w16cex="http://schemas.microsoft.com/office/word/2018/wordml/cex" xmlns:w16cid="http://schemas.microsoft.com/office/word/2016/wordml/cid" xmlns:w16="http://schemas.microsoft.com/office/word/2018/wordml" xmlns:ma14="http://schemas.microsoft.com/office/mac/drawingml/2011/main" xmlns:w="http://schemas.openxmlformats.org/wordprocessingml/2006/main" xmlns:w10="urn:schemas-microsoft-com:office:word" xmlns:v="urn:schemas-microsoft-com:vml" xmlns:o="urn:schemas-microsoft-com:office:office" xmlns:mv="urn:schemas-microsoft-com:mac:vml" xmlns:mo="http://schemas.microsoft.com/office/mac/office/2008/main" xmlns="" xmlns:lc="http://schemas.openxmlformats.org/drawingml/2006/lockedCanvas" val="1"/>
+              <ma14:placeholderFlag xmlns:lc="http://schemas.openxmlformats.org/drawingml/2006/lockedCanvas" xmlns="" xmlns:mo="http://schemas.microsoft.com/office/mac/office/2008/main" xmlns:mv="urn:schemas-microsoft-com:mac:vml" xmlns:o="urn:schemas-microsoft-com:office:office" xmlns:v="urn:schemas-microsoft-com:vml" xmlns:w10="urn:schemas-microsoft-com:office:word" xmlns:w="http://schemas.openxmlformats.org/wordprocessingml/2006/main" xmlns:ma14="http://schemas.microsoft.com/office/mac/drawingml/2011/main" xmlns:w16="http://schemas.microsoft.com/office/word/2018/wordml" xmlns:w16cid="http://schemas.microsoft.com/office/word/2016/wordml/cid" xmlns:w16cex="http://schemas.microsoft.com/office/word/2018/wordml/cex" xmlns:am3d="http://schemas.microsoft.com/office/drawing/2017/model3d" xmlns:aink="http://schemas.microsoft.com/office/drawing/2016/ink" xmlns:cx8="http://schemas.microsoft.com/office/drawing/2016/5/14/chartex" xmlns:cx7="http://schemas.microsoft.com/office/drawing/2016/5/13/chartex" xmlns:cx6="http://schemas.microsoft.com/office/drawing/2016/5/12/chartex" xmlns:cx5="http://schemas.microsoft.com/office/drawing/2016/5/11/chartex" xmlns:cx4="http://schemas.microsoft.com/office/drawing/2016/5/10/chartex" xmlns:cx3="http://schemas.microsoft.com/office/drawing/2016/5/9/chartex" xmlns:cx2="http://schemas.microsoft.com/office/drawing/2015/10/21/chartex" xmlns:cx1="http://schemas.microsoft.com/office/drawing/2015/9/8/chartex" xmlns:pic="http://schemas.openxmlformats.org/drawingml/2006/picture" xmlns:wps="http://schemas.microsoft.com/office/word/2010/wordprocessingShape" xmlns:wne="http://schemas.microsoft.com/office/word/2006/wordml" xmlns:wpi="http://schemas.microsoft.com/office/word/2010/wordprocessingInk" xmlns:wpg="http://schemas.microsoft.com/office/word/2010/wordprocessingGroup" xmlns:w16se="http://schemas.microsoft.com/office/word/2015/wordml/symex" xmlns:w15="http://schemas.microsoft.com/office/word/2012/wordml" xmlns:w14="http://schemas.microsoft.com/office/word/2010/wordml" xmlns:wp="http://schemas.openxmlformats.org/drawingml/2006/wordprocessingDrawing" xmlns:wp14="http://schemas.microsoft.com/office/word/2010/wordprocessingDrawing" xmlns:m="http://schemas.openxmlformats.org/officeDocument/2006/math" xmlns:mc="http://schemas.openxmlformats.org/markup-compatibility/2006" xmlns:cx="http://schemas.microsoft.com/office/drawing/2014/chartex" xmlns:wpc="http://schemas.microsoft.com/office/word/2010/wordprocessingCanvas" val="1"/>
             </a:ext>
           </a:extLst>
         </p:spPr>
@@ -37561,7 +37561,7 @@
           </a:prstGeom>
           <a:extLst>
             <a:ext uri="{FAA26D3D-D897-4be2-8F04-BA451C77F1D7}">
-              <ma14:placeholderFlag xmlns:wpc="http://schemas.microsoft.com/office/word/2010/wordprocessingCanvas" xmlns:cx="http://schemas.microsoft.com/office/drawing/2014/chartex" xmlns:mc="http://schemas.openxmlformats.org/markup-compatibility/2006" xmlns:m="http://schemas.openxmlformats.org/officeDocument/2006/math" xmlns:wp14="http://schemas.microsoft.com/office/word/2010/wordprocessingDrawing" xmlns:wp="http://schemas.openxmlformats.org/drawingml/2006/wordprocessingDrawing" xmlns:w14="http://schemas.microsoft.com/office/word/2010/wordml" xmlns:w15="http://schemas.microsoft.com/office/word/2012/wordml" xmlns:w16se="http://schemas.microsoft.com/office/word/2015/wordml/symex" xmlns:wpg="http://schemas.microsoft.com/office/word/2010/wordprocessingGroup" xmlns:wpi="http://schemas.microsoft.com/office/word/2010/wordprocessingInk" xmlns:wne="http://schemas.microsoft.com/office/word/2006/wordml" xmlns:wps="http://schemas.microsoft.com/office/word/2010/wordprocessingShape" xmlns:pic="http://schemas.openxmlformats.org/drawingml/2006/picture" xmlns:cx1="http://schemas.microsoft.com/office/drawing/2015/9/8/chartex" xmlns:cx2="http://schemas.microsoft.com/office/drawing/2015/10/21/chartex" xmlns:cx3="http://schemas.microsoft.com/office/drawing/2016/5/9/chartex" xmlns:cx4="http://schemas.microsoft.com/office/drawing/2016/5/10/chartex" xmlns:cx5="http://schemas.microsoft.com/office/drawing/2016/5/11/chartex" xmlns:cx6="http://schemas.microsoft.com/office/drawing/2016/5/12/chartex" xmlns:cx7="http://schemas.microsoft.com/office/drawing/2016/5/13/chartex" xmlns:cx8="http://schemas.microsoft.com/office/drawing/2016/5/14/chartex" xmlns:aink="http://schemas.microsoft.com/office/drawing/2016/ink" xmlns:am3d="http://schemas.microsoft.com/office/drawing/2017/model3d" xmlns:w16cex="http://schemas.microsoft.com/office/word/2018/wordml/cex" xmlns:w16cid="http://schemas.microsoft.com/office/word/2016/wordml/cid" xmlns:w16="http://schemas.microsoft.com/office/word/2018/wordml" xmlns:ma14="http://schemas.microsoft.com/office/mac/drawingml/2011/main" xmlns:w="http://schemas.openxmlformats.org/wordprocessingml/2006/main" xmlns:w10="urn:schemas-microsoft-com:office:word" xmlns:v="urn:schemas-microsoft-com:vml" xmlns:o="urn:schemas-microsoft-com:office:office" xmlns:mv="urn:schemas-microsoft-com:mac:vml" xmlns:mo="http://schemas.microsoft.com/office/mac/office/2008/main" xmlns="" xmlns:lc="http://schemas.openxmlformats.org/drawingml/2006/lockedCanvas" val="1"/>
+              <ma14:placeholderFlag xmlns:lc="http://schemas.openxmlformats.org/drawingml/2006/lockedCanvas" xmlns="" xmlns:mo="http://schemas.microsoft.com/office/mac/office/2008/main" xmlns:mv="urn:schemas-microsoft-com:mac:vml" xmlns:o="urn:schemas-microsoft-com:office:office" xmlns:v="urn:schemas-microsoft-com:vml" xmlns:w10="urn:schemas-microsoft-com:office:word" xmlns:w="http://schemas.openxmlformats.org/wordprocessingml/2006/main" xmlns:ma14="http://schemas.microsoft.com/office/mac/drawingml/2011/main" xmlns:w16="http://schemas.microsoft.com/office/word/2018/wordml" xmlns:w16cid="http://schemas.microsoft.com/office/word/2016/wordml/cid" xmlns:w16cex="http://schemas.microsoft.com/office/word/2018/wordml/cex" xmlns:am3d="http://schemas.microsoft.com/office/drawing/2017/model3d" xmlns:aink="http://schemas.microsoft.com/office/drawing/2016/ink" xmlns:cx8="http://schemas.microsoft.com/office/drawing/2016/5/14/chartex" xmlns:cx7="http://schemas.microsoft.com/office/drawing/2016/5/13/chartex" xmlns:cx6="http://schemas.microsoft.com/office/drawing/2016/5/12/chartex" xmlns:cx5="http://schemas.microsoft.com/office/drawing/2016/5/11/chartex" xmlns:cx4="http://schemas.microsoft.com/office/drawing/2016/5/10/chartex" xmlns:cx3="http://schemas.microsoft.com/office/drawing/2016/5/9/chartex" xmlns:cx2="http://schemas.microsoft.com/office/drawing/2015/10/21/chartex" xmlns:cx1="http://schemas.microsoft.com/office/drawing/2015/9/8/chartex" xmlns:pic="http://schemas.openxmlformats.org/drawingml/2006/picture" xmlns:wps="http://schemas.microsoft.com/office/word/2010/wordprocessingShape" xmlns:wne="http://schemas.microsoft.com/office/word/2006/wordml" xmlns:wpi="http://schemas.microsoft.com/office/word/2010/wordprocessingInk" xmlns:wpg="http://schemas.microsoft.com/office/word/2010/wordprocessingGroup" xmlns:w16se="http://schemas.microsoft.com/office/word/2015/wordml/symex" xmlns:w15="http://schemas.microsoft.com/office/word/2012/wordml" xmlns:w14="http://schemas.microsoft.com/office/word/2010/wordml" xmlns:wp="http://schemas.openxmlformats.org/drawingml/2006/wordprocessingDrawing" xmlns:wp14="http://schemas.microsoft.com/office/word/2010/wordprocessingDrawing" xmlns:m="http://schemas.openxmlformats.org/officeDocument/2006/math" xmlns:mc="http://schemas.openxmlformats.org/markup-compatibility/2006" xmlns:cx="http://schemas.microsoft.com/office/drawing/2014/chartex" xmlns:wpc="http://schemas.microsoft.com/office/word/2010/wordprocessingCanvas" val="1"/>
             </a:ext>
           </a:extLst>
         </p:spPr>
@@ -37744,7 +37744,7 @@
           </a:prstGeom>
           <a:extLst>
             <a:ext uri="{FAA26D3D-D897-4be2-8F04-BA451C77F1D7}">
-              <ma14:placeholderFlag xmlns:lc="http://schemas.openxmlformats.org/drawingml/2006/lockedCanvas" xmlns:mo="http://schemas.microsoft.com/office/mac/office/2008/main" xmlns:mv="urn:schemas-microsoft-com:mac:vml" xmlns:o="urn:schemas-microsoft-com:office:office" xmlns:v="urn:schemas-microsoft-com:vml" xmlns:w10="urn:schemas-microsoft-com:office:word" xmlns:w="http://schemas.openxmlformats.org/wordprocessingml/2006/main" xmlns:ma14="http://schemas.microsoft.com/office/mac/drawingml/2011/main" xmlns:w16="http://schemas.microsoft.com/office/word/2018/wordml" xmlns:w16cid="http://schemas.microsoft.com/office/word/2016/wordml/cid" xmlns:w16cex="http://schemas.microsoft.com/office/word/2018/wordml/cex" xmlns:am3d="http://schemas.microsoft.com/office/drawing/2017/model3d" xmlns:aink="http://schemas.microsoft.com/office/drawing/2016/ink" xmlns:cx8="http://schemas.microsoft.com/office/drawing/2016/5/14/chartex" xmlns:cx7="http://schemas.microsoft.com/office/drawing/2016/5/13/chartex" xmlns:cx6="http://schemas.microsoft.com/office/drawing/2016/5/12/chartex" xmlns:cx5="http://schemas.microsoft.com/office/drawing/2016/5/11/chartex" xmlns:cx4="http://schemas.microsoft.com/office/drawing/2016/5/10/chartex" xmlns:cx3="http://schemas.microsoft.com/office/drawing/2016/5/9/chartex" xmlns:cx2="http://schemas.microsoft.com/office/drawing/2015/10/21/chartex" xmlns:cx1="http://schemas.microsoft.com/office/drawing/2015/9/8/chartex" xmlns:pic="http://schemas.openxmlformats.org/drawingml/2006/picture" xmlns:wps="http://schemas.microsoft.com/office/word/2010/wordprocessingShape" xmlns:wne="http://schemas.microsoft.com/office/word/2006/wordml" xmlns:wpi="http://schemas.microsoft.com/office/word/2010/wordprocessingInk" xmlns:wpg="http://schemas.microsoft.com/office/word/2010/wordprocessingGroup" xmlns:w16se="http://schemas.microsoft.com/office/word/2015/wordml/symex" xmlns:w15="http://schemas.microsoft.com/office/word/2012/wordml" xmlns:w14="http://schemas.microsoft.com/office/word/2010/wordml" xmlns:wp="http://schemas.openxmlformats.org/drawingml/2006/wordprocessingDrawing" xmlns:wp14="http://schemas.microsoft.com/office/word/2010/wordprocessingDrawing" xmlns:m="http://schemas.openxmlformats.org/officeDocument/2006/math" xmlns:mc="http://schemas.openxmlformats.org/markup-compatibility/2006" xmlns:cx="http://schemas.microsoft.com/office/drawing/2014/chartex" xmlns:wpc="http://schemas.microsoft.com/office/word/2010/wordprocessingCanvas" xmlns="" val="1"/>
+              <ma14:placeholderFlag xmlns="" xmlns:wpc="http://schemas.microsoft.com/office/word/2010/wordprocessingCanvas" xmlns:cx="http://schemas.microsoft.com/office/drawing/2014/chartex" xmlns:mc="http://schemas.openxmlformats.org/markup-compatibility/2006" xmlns:m="http://schemas.openxmlformats.org/officeDocument/2006/math" xmlns:wp14="http://schemas.microsoft.com/office/word/2010/wordprocessingDrawing" xmlns:wp="http://schemas.openxmlformats.org/drawingml/2006/wordprocessingDrawing" xmlns:w14="http://schemas.microsoft.com/office/word/2010/wordml" xmlns:w15="http://schemas.microsoft.com/office/word/2012/wordml" xmlns:w16se="http://schemas.microsoft.com/office/word/2015/wordml/symex" xmlns:wpg="http://schemas.microsoft.com/office/word/2010/wordprocessingGroup" xmlns:wpi="http://schemas.microsoft.com/office/word/2010/wordprocessingInk" xmlns:wne="http://schemas.microsoft.com/office/word/2006/wordml" xmlns:wps="http://schemas.microsoft.com/office/word/2010/wordprocessingShape" xmlns:pic="http://schemas.openxmlformats.org/drawingml/2006/picture" xmlns:cx1="http://schemas.microsoft.com/office/drawing/2015/9/8/chartex" xmlns:cx2="http://schemas.microsoft.com/office/drawing/2015/10/21/chartex" xmlns:cx3="http://schemas.microsoft.com/office/drawing/2016/5/9/chartex" xmlns:cx4="http://schemas.microsoft.com/office/drawing/2016/5/10/chartex" xmlns:cx5="http://schemas.microsoft.com/office/drawing/2016/5/11/chartex" xmlns:cx6="http://schemas.microsoft.com/office/drawing/2016/5/12/chartex" xmlns:cx7="http://schemas.microsoft.com/office/drawing/2016/5/13/chartex" xmlns:cx8="http://schemas.microsoft.com/office/drawing/2016/5/14/chartex" xmlns:aink="http://schemas.microsoft.com/office/drawing/2016/ink" xmlns:am3d="http://schemas.microsoft.com/office/drawing/2017/model3d" xmlns:w16cex="http://schemas.microsoft.com/office/word/2018/wordml/cex" xmlns:w16cid="http://schemas.microsoft.com/office/word/2016/wordml/cid" xmlns:w16="http://schemas.microsoft.com/office/word/2018/wordml" xmlns:ma14="http://schemas.microsoft.com/office/mac/drawingml/2011/main" xmlns:w="http://schemas.openxmlformats.org/wordprocessingml/2006/main" xmlns:w10="urn:schemas-microsoft-com:office:word" xmlns:v="urn:schemas-microsoft-com:vml" xmlns:o="urn:schemas-microsoft-com:office:office" xmlns:mv="urn:schemas-microsoft-com:mac:vml" xmlns:mo="http://schemas.microsoft.com/office/mac/office/2008/main" xmlns:lc="http://schemas.openxmlformats.org/drawingml/2006/lockedCanvas" val="1"/>
             </a:ext>
           </a:extLst>
         </p:spPr>
@@ -37995,7 +37995,7 @@
           </a:prstGeom>
           <a:extLst>
             <a:ext uri="{FAA26D3D-D897-4be2-8F04-BA451C77F1D7}">
-              <ma14:placeholderFlag xmlns:lc="http://schemas.openxmlformats.org/drawingml/2006/lockedCanvas" xmlns:mo="http://schemas.microsoft.com/office/mac/office/2008/main" xmlns:mv="urn:schemas-microsoft-com:mac:vml" xmlns:o="urn:schemas-microsoft-com:office:office" xmlns:v="urn:schemas-microsoft-com:vml" xmlns:w10="urn:schemas-microsoft-com:office:word" xmlns:w="http://schemas.openxmlformats.org/wordprocessingml/2006/main" xmlns:ma14="http://schemas.microsoft.com/office/mac/drawingml/2011/main" xmlns:w16="http://schemas.microsoft.com/office/word/2018/wordml" xmlns:w16cid="http://schemas.microsoft.com/office/word/2016/wordml/cid" xmlns:w16cex="http://schemas.microsoft.com/office/word/2018/wordml/cex" xmlns:am3d="http://schemas.microsoft.com/office/drawing/2017/model3d" xmlns:aink="http://schemas.microsoft.com/office/drawing/2016/ink" xmlns:cx8="http://schemas.microsoft.com/office/drawing/2016/5/14/chartex" xmlns:cx7="http://schemas.microsoft.com/office/drawing/2016/5/13/chartex" xmlns:cx6="http://schemas.microsoft.com/office/drawing/2016/5/12/chartex" xmlns:cx5="http://schemas.microsoft.com/office/drawing/2016/5/11/chartex" xmlns:cx4="http://schemas.microsoft.com/office/drawing/2016/5/10/chartex" xmlns:cx3="http://schemas.microsoft.com/office/drawing/2016/5/9/chartex" xmlns:cx2="http://schemas.microsoft.com/office/drawing/2015/10/21/chartex" xmlns:cx1="http://schemas.microsoft.com/office/drawing/2015/9/8/chartex" xmlns:pic="http://schemas.openxmlformats.org/drawingml/2006/picture" xmlns:wps="http://schemas.microsoft.com/office/word/2010/wordprocessingShape" xmlns:wne="http://schemas.microsoft.com/office/word/2006/wordml" xmlns:wpi="http://schemas.microsoft.com/office/word/2010/wordprocessingInk" xmlns:wpg="http://schemas.microsoft.com/office/word/2010/wordprocessingGroup" xmlns:w16se="http://schemas.microsoft.com/office/word/2015/wordml/symex" xmlns:w15="http://schemas.microsoft.com/office/word/2012/wordml" xmlns:w14="http://schemas.microsoft.com/office/word/2010/wordml" xmlns:wp="http://schemas.openxmlformats.org/drawingml/2006/wordprocessingDrawing" xmlns:wp14="http://schemas.microsoft.com/office/word/2010/wordprocessingDrawing" xmlns:m="http://schemas.openxmlformats.org/officeDocument/2006/math" xmlns:mc="http://schemas.openxmlformats.org/markup-compatibility/2006" xmlns:cx="http://schemas.microsoft.com/office/drawing/2014/chartex" xmlns:wpc="http://schemas.microsoft.com/office/word/2010/wordprocessingCanvas" xmlns="" val="1"/>
+              <ma14:placeholderFlag xmlns="" xmlns:wpc="http://schemas.microsoft.com/office/word/2010/wordprocessingCanvas" xmlns:cx="http://schemas.microsoft.com/office/drawing/2014/chartex" xmlns:mc="http://schemas.openxmlformats.org/markup-compatibility/2006" xmlns:m="http://schemas.openxmlformats.org/officeDocument/2006/math" xmlns:wp14="http://schemas.microsoft.com/office/word/2010/wordprocessingDrawing" xmlns:wp="http://schemas.openxmlformats.org/drawingml/2006/wordprocessingDrawing" xmlns:w14="http://schemas.microsoft.com/office/word/2010/wordml" xmlns:w15="http://schemas.microsoft.com/office/word/2012/wordml" xmlns:w16se="http://schemas.microsoft.com/office/word/2015/wordml/symex" xmlns:wpg="http://schemas.microsoft.com/office/word/2010/wordprocessingGroup" xmlns:wpi="http://schemas.microsoft.com/office/word/2010/wordprocessingInk" xmlns:wne="http://schemas.microsoft.com/office/word/2006/wordml" xmlns:wps="http://schemas.microsoft.com/office/word/2010/wordprocessingShape" xmlns:pic="http://schemas.openxmlformats.org/drawingml/2006/picture" xmlns:cx1="http://schemas.microsoft.com/office/drawing/2015/9/8/chartex" xmlns:cx2="http://schemas.microsoft.com/office/drawing/2015/10/21/chartex" xmlns:cx3="http://schemas.microsoft.com/office/drawing/2016/5/9/chartex" xmlns:cx4="http://schemas.microsoft.com/office/drawing/2016/5/10/chartex" xmlns:cx5="http://schemas.microsoft.com/office/drawing/2016/5/11/chartex" xmlns:cx6="http://schemas.microsoft.com/office/drawing/2016/5/12/chartex" xmlns:cx7="http://schemas.microsoft.com/office/drawing/2016/5/13/chartex" xmlns:cx8="http://schemas.microsoft.com/office/drawing/2016/5/14/chartex" xmlns:aink="http://schemas.microsoft.com/office/drawing/2016/ink" xmlns:am3d="http://schemas.microsoft.com/office/drawing/2017/model3d" xmlns:w16cex="http://schemas.microsoft.com/office/word/2018/wordml/cex" xmlns:w16cid="http://schemas.microsoft.com/office/word/2016/wordml/cid" xmlns:w16="http://schemas.microsoft.com/office/word/2018/wordml" xmlns:ma14="http://schemas.microsoft.com/office/mac/drawingml/2011/main" xmlns:w="http://schemas.openxmlformats.org/wordprocessingml/2006/main" xmlns:w10="urn:schemas-microsoft-com:office:word" xmlns:v="urn:schemas-microsoft-com:vml" xmlns:o="urn:schemas-microsoft-com:office:office" xmlns:mv="urn:schemas-microsoft-com:mac:vml" xmlns:mo="http://schemas.microsoft.com/office/mac/office/2008/main" xmlns:lc="http://schemas.openxmlformats.org/drawingml/2006/lockedCanvas" val="1"/>
             </a:ext>
           </a:extLst>
         </p:spPr>
@@ -38503,7 +38503,7 @@
           </a:prstGeom>
           <a:extLst>
             <a:ext uri="{FAA26D3D-D897-4be2-8F04-BA451C77F1D7}">
-              <ma14:placeholderFlag xmlns:wpc="http://schemas.microsoft.com/office/word/2010/wordprocessingCanvas" xmlns:cx="http://schemas.microsoft.com/office/drawing/2014/chartex" xmlns:mc="http://schemas.openxmlformats.org/markup-compatibility/2006" xmlns:m="http://schemas.openxmlformats.org/officeDocument/2006/math" xmlns:wp14="http://schemas.microsoft.com/office/word/2010/wordprocessingDrawing" xmlns:wp="http://schemas.openxmlformats.org/drawingml/2006/wordprocessingDrawing" xmlns:w14="http://schemas.microsoft.com/office/word/2010/wordml" xmlns:w15="http://schemas.microsoft.com/office/word/2012/wordml" xmlns:w16se="http://schemas.microsoft.com/office/word/2015/wordml/symex" xmlns:wpg="http://schemas.microsoft.com/office/word/2010/wordprocessingGroup" xmlns:wpi="http://schemas.microsoft.com/office/word/2010/wordprocessingInk" xmlns:wne="http://schemas.microsoft.com/office/word/2006/wordml" xmlns:wps="http://schemas.microsoft.com/office/word/2010/wordprocessingShape" xmlns:pic="http://schemas.openxmlformats.org/drawingml/2006/picture" xmlns:cx1="http://schemas.microsoft.com/office/drawing/2015/9/8/chartex" xmlns:cx2="http://schemas.microsoft.com/office/drawing/2015/10/21/chartex" xmlns:cx3="http://schemas.microsoft.com/office/drawing/2016/5/9/chartex" xmlns:cx4="http://schemas.microsoft.com/office/drawing/2016/5/10/chartex" xmlns:cx5="http://schemas.microsoft.com/office/drawing/2016/5/11/chartex" xmlns:cx6="http://schemas.microsoft.com/office/drawing/2016/5/12/chartex" xmlns:cx7="http://schemas.microsoft.com/office/drawing/2016/5/13/chartex" xmlns:cx8="http://schemas.microsoft.com/office/drawing/2016/5/14/chartex" xmlns:aink="http://schemas.microsoft.com/office/drawing/2016/ink" xmlns:am3d="http://schemas.microsoft.com/office/drawing/2017/model3d" xmlns:w16cex="http://schemas.microsoft.com/office/word/2018/wordml/cex" xmlns:w16cid="http://schemas.microsoft.com/office/word/2016/wordml/cid" xmlns:w16="http://schemas.microsoft.com/office/word/2018/wordml" xmlns:ma14="http://schemas.microsoft.com/office/mac/drawingml/2011/main" xmlns:w="http://schemas.openxmlformats.org/wordprocessingml/2006/main" xmlns:w10="urn:schemas-microsoft-com:office:word" xmlns:v="urn:schemas-microsoft-com:vml" xmlns:o="urn:schemas-microsoft-com:office:office" xmlns:mv="urn:schemas-microsoft-com:mac:vml" xmlns:mo="http://schemas.microsoft.com/office/mac/office/2008/main" xmlns="" xmlns:lc="http://schemas.openxmlformats.org/drawingml/2006/lockedCanvas" val="1"/>
+              <ma14:placeholderFlag xmlns:lc="http://schemas.openxmlformats.org/drawingml/2006/lockedCanvas" xmlns="" xmlns:mo="http://schemas.microsoft.com/office/mac/office/2008/main" xmlns:mv="urn:schemas-microsoft-com:mac:vml" xmlns:o="urn:schemas-microsoft-com:office:office" xmlns:v="urn:schemas-microsoft-com:vml" xmlns:w10="urn:schemas-microsoft-com:office:word" xmlns:w="http://schemas.openxmlformats.org/wordprocessingml/2006/main" xmlns:ma14="http://schemas.microsoft.com/office/mac/drawingml/2011/main" xmlns:w16="http://schemas.microsoft.com/office/word/2018/wordml" xmlns:w16cid="http://schemas.microsoft.com/office/word/2016/wordml/cid" xmlns:w16cex="http://schemas.microsoft.com/office/word/2018/wordml/cex" xmlns:am3d="http://schemas.microsoft.com/office/drawing/2017/model3d" xmlns:aink="http://schemas.microsoft.com/office/drawing/2016/ink" xmlns:cx8="http://schemas.microsoft.com/office/drawing/2016/5/14/chartex" xmlns:cx7="http://schemas.microsoft.com/office/drawing/2016/5/13/chartex" xmlns:cx6="http://schemas.microsoft.com/office/drawing/2016/5/12/chartex" xmlns:cx5="http://schemas.microsoft.com/office/drawing/2016/5/11/chartex" xmlns:cx4="http://schemas.microsoft.com/office/drawing/2016/5/10/chartex" xmlns:cx3="http://schemas.microsoft.com/office/drawing/2016/5/9/chartex" xmlns:cx2="http://schemas.microsoft.com/office/drawing/2015/10/21/chartex" xmlns:cx1="http://schemas.microsoft.com/office/drawing/2015/9/8/chartex" xmlns:pic="http://schemas.openxmlformats.org/drawingml/2006/picture" xmlns:wps="http://schemas.microsoft.com/office/word/2010/wordprocessingShape" xmlns:wne="http://schemas.microsoft.com/office/word/2006/wordml" xmlns:wpi="http://schemas.microsoft.com/office/word/2010/wordprocessingInk" xmlns:wpg="http://schemas.microsoft.com/office/word/2010/wordprocessingGroup" xmlns:w16se="http://schemas.microsoft.com/office/word/2015/wordml/symex" xmlns:w15="http://schemas.microsoft.com/office/word/2012/wordml" xmlns:w14="http://schemas.microsoft.com/office/word/2010/wordml" xmlns:wp="http://schemas.openxmlformats.org/drawingml/2006/wordprocessingDrawing" xmlns:wp14="http://schemas.microsoft.com/office/word/2010/wordprocessingDrawing" xmlns:m="http://schemas.openxmlformats.org/officeDocument/2006/math" xmlns:mc="http://schemas.openxmlformats.org/markup-compatibility/2006" xmlns:cx="http://schemas.microsoft.com/office/drawing/2014/chartex" xmlns:wpc="http://schemas.microsoft.com/office/word/2010/wordprocessingCanvas" val="1"/>
             </a:ext>
           </a:extLst>
         </p:spPr>
@@ -38739,7 +38739,7 @@
           </a:prstGeom>
           <a:extLst>
             <a:ext uri="{FAA26D3D-D897-4be2-8F04-BA451C77F1D7}">
-              <ma14:placeholderFlag xmlns:wpc="http://schemas.microsoft.com/office/word/2010/wordprocessingCanvas" xmlns:cx="http://schemas.microsoft.com/office/drawing/2014/chartex" xmlns:mc="http://schemas.openxmlformats.org/markup-compatibility/2006" xmlns:m="http://schemas.openxmlformats.org/officeDocument/2006/math" xmlns:wp14="http://schemas.microsoft.com/office/word/2010/wordprocessingDrawing" xmlns:wp="http://schemas.openxmlformats.org/drawingml/2006/wordprocessingDrawing" xmlns:w14="http://schemas.microsoft.com/office/word/2010/wordml" xmlns:w15="http://schemas.microsoft.com/office/word/2012/wordml" xmlns:w16se="http://schemas.microsoft.com/office/word/2015/wordml/symex" xmlns:wpg="http://schemas.microsoft.com/office/word/2010/wordprocessingGroup" xmlns:wpi="http://schemas.microsoft.com/office/word/2010/wordprocessingInk" xmlns:wne="http://schemas.microsoft.com/office/word/2006/wordml" xmlns:wps="http://schemas.microsoft.com/office/word/2010/wordprocessingShape" xmlns:pic="http://schemas.openxmlformats.org/drawingml/2006/picture" xmlns:cx1="http://schemas.microsoft.com/office/drawing/2015/9/8/chartex" xmlns:cx2="http://schemas.microsoft.com/office/drawing/2015/10/21/chartex" xmlns:cx3="http://schemas.microsoft.com/office/drawing/2016/5/9/chartex" xmlns:cx4="http://schemas.microsoft.com/office/drawing/2016/5/10/chartex" xmlns:cx5="http://schemas.microsoft.com/office/drawing/2016/5/11/chartex" xmlns:cx6="http://schemas.microsoft.com/office/drawing/2016/5/12/chartex" xmlns:cx7="http://schemas.microsoft.com/office/drawing/2016/5/13/chartex" xmlns:cx8="http://schemas.microsoft.com/office/drawing/2016/5/14/chartex" xmlns:aink="http://schemas.microsoft.com/office/drawing/2016/ink" xmlns:am3d="http://schemas.microsoft.com/office/drawing/2017/model3d" xmlns:w16cex="http://schemas.microsoft.com/office/word/2018/wordml/cex" xmlns:w16cid="http://schemas.microsoft.com/office/word/2016/wordml/cid" xmlns:w16="http://schemas.microsoft.com/office/word/2018/wordml" xmlns:ma14="http://schemas.microsoft.com/office/mac/drawingml/2011/main" xmlns:w="http://schemas.openxmlformats.org/wordprocessingml/2006/main" xmlns:w10="urn:schemas-microsoft-com:office:word" xmlns:v="urn:schemas-microsoft-com:vml" xmlns:o="urn:schemas-microsoft-com:office:office" xmlns:mv="urn:schemas-microsoft-com:mac:vml" xmlns:mo="http://schemas.microsoft.com/office/mac/office/2008/main" xmlns="" xmlns:lc="http://schemas.openxmlformats.org/drawingml/2006/lockedCanvas" val="1"/>
+              <ma14:placeholderFlag xmlns:lc="http://schemas.openxmlformats.org/drawingml/2006/lockedCanvas" xmlns="" xmlns:mo="http://schemas.microsoft.com/office/mac/office/2008/main" xmlns:mv="urn:schemas-microsoft-com:mac:vml" xmlns:o="urn:schemas-microsoft-com:office:office" xmlns:v="urn:schemas-microsoft-com:vml" xmlns:w10="urn:schemas-microsoft-com:office:word" xmlns:w="http://schemas.openxmlformats.org/wordprocessingml/2006/main" xmlns:ma14="http://schemas.microsoft.com/office/mac/drawingml/2011/main" xmlns:w16="http://schemas.microsoft.com/office/word/2018/wordml" xmlns:w16cid="http://schemas.microsoft.com/office/word/2016/wordml/cid" xmlns:w16cex="http://schemas.microsoft.com/office/word/2018/wordml/cex" xmlns:am3d="http://schemas.microsoft.com/office/drawing/2017/model3d" xmlns:aink="http://schemas.microsoft.com/office/drawing/2016/ink" xmlns:cx8="http://schemas.microsoft.com/office/drawing/2016/5/14/chartex" xmlns:cx7="http://schemas.microsoft.com/office/drawing/2016/5/13/chartex" xmlns:cx6="http://schemas.microsoft.com/office/drawing/2016/5/12/chartex" xmlns:cx5="http://schemas.microsoft.com/office/drawing/2016/5/11/chartex" xmlns:cx4="http://schemas.microsoft.com/office/drawing/2016/5/10/chartex" xmlns:cx3="http://schemas.microsoft.com/office/drawing/2016/5/9/chartex" xmlns:cx2="http://schemas.microsoft.com/office/drawing/2015/10/21/chartex" xmlns:cx1="http://schemas.microsoft.com/office/drawing/2015/9/8/chartex" xmlns:pic="http://schemas.openxmlformats.org/drawingml/2006/picture" xmlns:wps="http://schemas.microsoft.com/office/word/2010/wordprocessingShape" xmlns:wne="http://schemas.microsoft.com/office/word/2006/wordml" xmlns:wpi="http://schemas.microsoft.com/office/word/2010/wordprocessingInk" xmlns:wpg="http://schemas.microsoft.com/office/word/2010/wordprocessingGroup" xmlns:w16se="http://schemas.microsoft.com/office/word/2015/wordml/symex" xmlns:w15="http://schemas.microsoft.com/office/word/2012/wordml" xmlns:w14="http://schemas.microsoft.com/office/word/2010/wordml" xmlns:wp="http://schemas.openxmlformats.org/drawingml/2006/wordprocessingDrawing" xmlns:wp14="http://schemas.microsoft.com/office/word/2010/wordprocessingDrawing" xmlns:m="http://schemas.openxmlformats.org/officeDocument/2006/math" xmlns:mc="http://schemas.openxmlformats.org/markup-compatibility/2006" xmlns:cx="http://schemas.microsoft.com/office/drawing/2014/chartex" xmlns:wpc="http://schemas.microsoft.com/office/word/2010/wordprocessingCanvas" val="1"/>
             </a:ext>
           </a:extLst>
         </p:spPr>
@@ -39058,7 +39058,7 @@
           </a:prstGeom>
           <a:extLst>
             <a:ext uri="{FAA26D3D-D897-4be2-8F04-BA451C77F1D7}">
-              <ma14:placeholderFlag xmlns:wpc="http://schemas.microsoft.com/office/word/2010/wordprocessingCanvas" xmlns:cx="http://schemas.microsoft.com/office/drawing/2014/chartex" xmlns:mc="http://schemas.openxmlformats.org/markup-compatibility/2006" xmlns:m="http://schemas.openxmlformats.org/officeDocument/2006/math" xmlns:wp14="http://schemas.microsoft.com/office/word/2010/wordprocessingDrawing" xmlns:wp="http://schemas.openxmlformats.org/drawingml/2006/wordprocessingDrawing" xmlns:w14="http://schemas.microsoft.com/office/word/2010/wordml" xmlns:w15="http://schemas.microsoft.com/office/word/2012/wordml" xmlns:w16se="http://schemas.microsoft.com/office/word/2015/wordml/symex" xmlns:wpg="http://schemas.microsoft.com/office/word/2010/wordprocessingGroup" xmlns:wpi="http://schemas.microsoft.com/office/word/2010/wordprocessingInk" xmlns:wne="http://schemas.microsoft.com/office/word/2006/wordml" xmlns:wps="http://schemas.microsoft.com/office/word/2010/wordprocessingShape" xmlns:pic="http://schemas.openxmlformats.org/drawingml/2006/picture" xmlns:cx1="http://schemas.microsoft.com/office/drawing/2015/9/8/chartex" xmlns:cx2="http://schemas.microsoft.com/office/drawing/2015/10/21/chartex" xmlns:cx3="http://schemas.microsoft.com/office/drawing/2016/5/9/chartex" xmlns:cx4="http://schemas.microsoft.com/office/drawing/2016/5/10/chartex" xmlns:cx5="http://schemas.microsoft.com/office/drawing/2016/5/11/chartex" xmlns:cx6="http://schemas.microsoft.com/office/drawing/2016/5/12/chartex" xmlns:cx7="http://schemas.microsoft.com/office/drawing/2016/5/13/chartex" xmlns:cx8="http://schemas.microsoft.com/office/drawing/2016/5/14/chartex" xmlns:aink="http://schemas.microsoft.com/office/drawing/2016/ink" xmlns:am3d="http://schemas.microsoft.com/office/drawing/2017/model3d" xmlns:w16cex="http://schemas.microsoft.com/office/word/2018/wordml/cex" xmlns:w16cid="http://schemas.microsoft.com/office/word/2016/wordml/cid" xmlns:w16="http://schemas.microsoft.com/office/word/2018/wordml" xmlns:ma14="http://schemas.microsoft.com/office/mac/drawingml/2011/main" xmlns:w="http://schemas.openxmlformats.org/wordprocessingml/2006/main" xmlns:w10="urn:schemas-microsoft-com:office:word" xmlns:v="urn:schemas-microsoft-com:vml" xmlns:o="urn:schemas-microsoft-com:office:office" xmlns:mv="urn:schemas-microsoft-com:mac:vml" xmlns:mo="http://schemas.microsoft.com/office/mac/office/2008/main" xmlns="" xmlns:lc="http://schemas.openxmlformats.org/drawingml/2006/lockedCanvas" val="1"/>
+              <ma14:placeholderFlag xmlns:lc="http://schemas.openxmlformats.org/drawingml/2006/lockedCanvas" xmlns="" xmlns:mo="http://schemas.microsoft.com/office/mac/office/2008/main" xmlns:mv="urn:schemas-microsoft-com:mac:vml" xmlns:o="urn:schemas-microsoft-com:office:office" xmlns:v="urn:schemas-microsoft-com:vml" xmlns:w10="urn:schemas-microsoft-com:office:word" xmlns:w="http://schemas.openxmlformats.org/wordprocessingml/2006/main" xmlns:ma14="http://schemas.microsoft.com/office/mac/drawingml/2011/main" xmlns:w16="http://schemas.microsoft.com/office/word/2018/wordml" xmlns:w16cid="http://schemas.microsoft.com/office/word/2016/wordml/cid" xmlns:w16cex="http://schemas.microsoft.com/office/word/2018/wordml/cex" xmlns:am3d="http://schemas.microsoft.com/office/drawing/2017/model3d" xmlns:aink="http://schemas.microsoft.com/office/drawing/2016/ink" xmlns:cx8="http://schemas.microsoft.com/office/drawing/2016/5/14/chartex" xmlns:cx7="http://schemas.microsoft.com/office/drawing/2016/5/13/chartex" xmlns:cx6="http://schemas.microsoft.com/office/drawing/2016/5/12/chartex" xmlns:cx5="http://schemas.microsoft.com/office/drawing/2016/5/11/chartex" xmlns:cx4="http://schemas.microsoft.com/office/drawing/2016/5/10/chartex" xmlns:cx3="http://schemas.microsoft.com/office/drawing/2016/5/9/chartex" xmlns:cx2="http://schemas.microsoft.com/office/drawing/2015/10/21/chartex" xmlns:cx1="http://schemas.microsoft.com/office/drawing/2015/9/8/chartex" xmlns:pic="http://schemas.openxmlformats.org/drawingml/2006/picture" xmlns:wps="http://schemas.microsoft.com/office/word/2010/wordprocessingShape" xmlns:wne="http://schemas.microsoft.com/office/word/2006/wordml" xmlns:wpi="http://schemas.microsoft.com/office/word/2010/wordprocessingInk" xmlns:wpg="http://schemas.microsoft.com/office/word/2010/wordprocessingGroup" xmlns:w16se="http://schemas.microsoft.com/office/word/2015/wordml/symex" xmlns:w15="http://schemas.microsoft.com/office/word/2012/wordml" xmlns:w14="http://schemas.microsoft.com/office/word/2010/wordml" xmlns:wp="http://schemas.openxmlformats.org/drawingml/2006/wordprocessingDrawing" xmlns:wp14="http://schemas.microsoft.com/office/word/2010/wordprocessingDrawing" xmlns:m="http://schemas.openxmlformats.org/officeDocument/2006/math" xmlns:mc="http://schemas.openxmlformats.org/markup-compatibility/2006" xmlns:cx="http://schemas.microsoft.com/office/drawing/2014/chartex" xmlns:wpc="http://schemas.microsoft.com/office/word/2010/wordprocessingCanvas" val="1"/>
             </a:ext>
           </a:extLst>
         </p:spPr>
@@ -39328,7 +39328,7 @@
           </a:prstGeom>
           <a:extLst>
             <a:ext uri="{FAA26D3D-D897-4be2-8F04-BA451C77F1D7}">
-              <ma14:placeholderFlag xmlns:lc="http://schemas.openxmlformats.org/drawingml/2006/lockedCanvas" xmlns="" xmlns:mo="http://schemas.microsoft.com/office/mac/office/2008/main" xmlns:mv="urn:schemas-microsoft-com:mac:vml" xmlns:o="urn:schemas-microsoft-com:office:office" xmlns:v="urn:schemas-microsoft-com:vml" xmlns:w10="urn:schemas-microsoft-com:office:word" xmlns:w="http://schemas.openxmlformats.org/wordprocessingml/2006/main" xmlns:ma14="http://schemas.microsoft.com/office/mac/drawingml/2011/main" xmlns:w16="http://schemas.microsoft.com/office/word/2018/wordml" xmlns:w16cid="http://schemas.microsoft.com/office/word/2016/wordml/cid" xmlns:w16cex="http://schemas.microsoft.com/office/word/2018/wordml/cex" xmlns:am3d="http://schemas.microsoft.com/office/drawing/2017/model3d" xmlns:aink="http://schemas.microsoft.com/office/drawing/2016/ink" xmlns:cx8="http://schemas.microsoft.com/office/drawing/2016/5/14/chartex" xmlns:cx7="http://schemas.microsoft.com/office/drawing/2016/5/13/chartex" xmlns:cx6="http://schemas.microsoft.com/office/drawing/2016/5/12/chartex" xmlns:cx5="http://schemas.microsoft.com/office/drawing/2016/5/11/chartex" xmlns:cx4="http://schemas.microsoft.com/office/drawing/2016/5/10/chartex" xmlns:cx3="http://schemas.microsoft.com/office/drawing/2016/5/9/chartex" xmlns:cx2="http://schemas.microsoft.com/office/drawing/2015/10/21/chartex" xmlns:cx1="http://schemas.microsoft.com/office/drawing/2015/9/8/chartex" xmlns:pic="http://schemas.openxmlformats.org/drawingml/2006/picture" xmlns:wps="http://schemas.microsoft.com/office/word/2010/wordprocessingShape" xmlns:wne="http://schemas.microsoft.com/office/word/2006/wordml" xmlns:wpi="http://schemas.microsoft.com/office/word/2010/wordprocessingInk" xmlns:wpg="http://schemas.microsoft.com/office/word/2010/wordprocessingGroup" xmlns:w16se="http://schemas.microsoft.com/office/word/2015/wordml/symex" xmlns:w15="http://schemas.microsoft.com/office/word/2012/wordml" xmlns:w14="http://schemas.microsoft.com/office/word/2010/wordml" xmlns:wp="http://schemas.openxmlformats.org/drawingml/2006/wordprocessingDrawing" xmlns:wp14="http://schemas.microsoft.com/office/word/2010/wordprocessingDrawing" xmlns:m="http://schemas.openxmlformats.org/officeDocument/2006/math" xmlns:mc="http://schemas.openxmlformats.org/markup-compatibility/2006" xmlns:cx="http://schemas.microsoft.com/office/drawing/2014/chartex" xmlns:wpc="http://schemas.microsoft.com/office/word/2010/wordprocessingCanvas" val="1"/>
+              <ma14:placeholderFlag xmlns:wpc="http://schemas.microsoft.com/office/word/2010/wordprocessingCanvas" xmlns:cx="http://schemas.microsoft.com/office/drawing/2014/chartex" xmlns:mc="http://schemas.openxmlformats.org/markup-compatibility/2006" xmlns:m="http://schemas.openxmlformats.org/officeDocument/2006/math" xmlns:wp14="http://schemas.microsoft.com/office/word/2010/wordprocessingDrawing" xmlns:wp="http://schemas.openxmlformats.org/drawingml/2006/wordprocessingDrawing" xmlns:w14="http://schemas.microsoft.com/office/word/2010/wordml" xmlns:w15="http://schemas.microsoft.com/office/word/2012/wordml" xmlns:w16se="http://schemas.microsoft.com/office/word/2015/wordml/symex" xmlns:wpg="http://schemas.microsoft.com/office/word/2010/wordprocessingGroup" xmlns:wpi="http://schemas.microsoft.com/office/word/2010/wordprocessingInk" xmlns:wne="http://schemas.microsoft.com/office/word/2006/wordml" xmlns:wps="http://schemas.microsoft.com/office/word/2010/wordprocessingShape" xmlns:pic="http://schemas.openxmlformats.org/drawingml/2006/picture" xmlns:cx1="http://schemas.microsoft.com/office/drawing/2015/9/8/chartex" xmlns:cx2="http://schemas.microsoft.com/office/drawing/2015/10/21/chartex" xmlns:cx3="http://schemas.microsoft.com/office/drawing/2016/5/9/chartex" xmlns:cx4="http://schemas.microsoft.com/office/drawing/2016/5/10/chartex" xmlns:cx5="http://schemas.microsoft.com/office/drawing/2016/5/11/chartex" xmlns:cx6="http://schemas.microsoft.com/office/drawing/2016/5/12/chartex" xmlns:cx7="http://schemas.microsoft.com/office/drawing/2016/5/13/chartex" xmlns:cx8="http://schemas.microsoft.com/office/drawing/2016/5/14/chartex" xmlns:aink="http://schemas.microsoft.com/office/drawing/2016/ink" xmlns:am3d="http://schemas.microsoft.com/office/drawing/2017/model3d" xmlns:w16cex="http://schemas.microsoft.com/office/word/2018/wordml/cex" xmlns:w16cid="http://schemas.microsoft.com/office/word/2016/wordml/cid" xmlns:w16="http://schemas.microsoft.com/office/word/2018/wordml" xmlns:ma14="http://schemas.microsoft.com/office/mac/drawingml/2011/main" xmlns:w="http://schemas.openxmlformats.org/wordprocessingml/2006/main" xmlns:w10="urn:schemas-microsoft-com:office:word" xmlns:v="urn:schemas-microsoft-com:vml" xmlns:o="urn:schemas-microsoft-com:office:office" xmlns:mv="urn:schemas-microsoft-com:mac:vml" xmlns:mo="http://schemas.microsoft.com/office/mac/office/2008/main" xmlns="" xmlns:lc="http://schemas.openxmlformats.org/drawingml/2006/lockedCanvas" val="1"/>
             </a:ext>
           </a:extLst>
         </p:spPr>
@@ -39568,7 +39568,7 @@
           </a:prstGeom>
           <a:extLst>
             <a:ext uri="{FAA26D3D-D897-4be2-8F04-BA451C77F1D7}">
-              <ma14:placeholderFlag xmlns:wpc="http://schemas.microsoft.com/office/word/2010/wordprocessingCanvas" xmlns:cx="http://schemas.microsoft.com/office/drawing/2014/chartex" xmlns:mc="http://schemas.openxmlformats.org/markup-compatibility/2006" xmlns:m="http://schemas.openxmlformats.org/officeDocument/2006/math" xmlns:wp14="http://schemas.microsoft.com/office/word/2010/wordprocessingDrawing" xmlns:wp="http://schemas.openxmlformats.org/drawingml/2006/wordprocessingDrawing" xmlns:w14="http://schemas.microsoft.com/office/word/2010/wordml" xmlns:w15="http://schemas.microsoft.com/office/word/2012/wordml" xmlns:w16se="http://schemas.microsoft.com/office/word/2015/wordml/symex" xmlns:wpg="http://schemas.microsoft.com/office/word/2010/wordprocessingGroup" xmlns:wpi="http://schemas.microsoft.com/office/word/2010/wordprocessingInk" xmlns:wne="http://schemas.microsoft.com/office/word/2006/wordml" xmlns:wps="http://schemas.microsoft.com/office/word/2010/wordprocessingShape" xmlns:pic="http://schemas.openxmlformats.org/drawingml/2006/picture" xmlns:cx1="http://schemas.microsoft.com/office/drawing/2015/9/8/chartex" xmlns:cx2="http://schemas.microsoft.com/office/drawing/2015/10/21/chartex" xmlns:cx3="http://schemas.microsoft.com/office/drawing/2016/5/9/chartex" xmlns:cx4="http://schemas.microsoft.com/office/drawing/2016/5/10/chartex" xmlns:cx5="http://schemas.microsoft.com/office/drawing/2016/5/11/chartex" xmlns:cx6="http://schemas.microsoft.com/office/drawing/2016/5/12/chartex" xmlns:cx7="http://schemas.microsoft.com/office/drawing/2016/5/13/chartex" xmlns:cx8="http://schemas.microsoft.com/office/drawing/2016/5/14/chartex" xmlns:aink="http://schemas.microsoft.com/office/drawing/2016/ink" xmlns:am3d="http://schemas.microsoft.com/office/drawing/2017/model3d" xmlns:w16cex="http://schemas.microsoft.com/office/word/2018/wordml/cex" xmlns:w16cid="http://schemas.microsoft.com/office/word/2016/wordml/cid" xmlns:w16="http://schemas.microsoft.com/office/word/2018/wordml" xmlns:ma14="http://schemas.microsoft.com/office/mac/drawingml/2011/main" xmlns:w="http://schemas.openxmlformats.org/wordprocessingml/2006/main" xmlns:w10="urn:schemas-microsoft-com:office:word" xmlns:v="urn:schemas-microsoft-com:vml" xmlns:o="urn:schemas-microsoft-com:office:office" xmlns:mv="urn:schemas-microsoft-com:mac:vml" xmlns:mo="http://schemas.microsoft.com/office/mac/office/2008/main" xmlns="" xmlns:lc="http://schemas.openxmlformats.org/drawingml/2006/lockedCanvas" val="1"/>
+              <ma14:placeholderFlag xmlns:lc="http://schemas.openxmlformats.org/drawingml/2006/lockedCanvas" xmlns="" xmlns:mo="http://schemas.microsoft.com/office/mac/office/2008/main" xmlns:mv="urn:schemas-microsoft-com:mac:vml" xmlns:o="urn:schemas-microsoft-com:office:office" xmlns:v="urn:schemas-microsoft-com:vml" xmlns:w10="urn:schemas-microsoft-com:office:word" xmlns:w="http://schemas.openxmlformats.org/wordprocessingml/2006/main" xmlns:ma14="http://schemas.microsoft.com/office/mac/drawingml/2011/main" xmlns:w16="http://schemas.microsoft.com/office/word/2018/wordml" xmlns:w16cid="http://schemas.microsoft.com/office/word/2016/wordml/cid" xmlns:w16cex="http://schemas.microsoft.com/office/word/2018/wordml/cex" xmlns:am3d="http://schemas.microsoft.com/office/drawing/2017/model3d" xmlns:aink="http://schemas.microsoft.com/office/drawing/2016/ink" xmlns:cx8="http://schemas.microsoft.com/office/drawing/2016/5/14/chartex" xmlns:cx7="http://schemas.microsoft.com/office/drawing/2016/5/13/chartex" xmlns:cx6="http://schemas.microsoft.com/office/drawing/2016/5/12/chartex" xmlns:cx5="http://schemas.microsoft.com/office/drawing/2016/5/11/chartex" xmlns:cx4="http://schemas.microsoft.com/office/drawing/2016/5/10/chartex" xmlns:cx3="http://schemas.microsoft.com/office/drawing/2016/5/9/chartex" xmlns:cx2="http://schemas.microsoft.com/office/drawing/2015/10/21/chartex" xmlns:cx1="http://schemas.microsoft.com/office/drawing/2015/9/8/chartex" xmlns:pic="http://schemas.openxmlformats.org/drawingml/2006/picture" xmlns:wps="http://schemas.microsoft.com/office/word/2010/wordprocessingShape" xmlns:wne="http://schemas.microsoft.com/office/word/2006/wordml" xmlns:wpi="http://schemas.microsoft.com/office/word/2010/wordprocessingInk" xmlns:wpg="http://schemas.microsoft.com/office/word/2010/wordprocessingGroup" xmlns:w16se="http://schemas.microsoft.com/office/word/2015/wordml/symex" xmlns:w15="http://schemas.microsoft.com/office/word/2012/wordml" xmlns:w14="http://schemas.microsoft.com/office/word/2010/wordml" xmlns:wp="http://schemas.openxmlformats.org/drawingml/2006/wordprocessingDrawing" xmlns:wp14="http://schemas.microsoft.com/office/word/2010/wordprocessingDrawing" xmlns:m="http://schemas.openxmlformats.org/officeDocument/2006/math" xmlns:mc="http://schemas.openxmlformats.org/markup-compatibility/2006" xmlns:cx="http://schemas.microsoft.com/office/drawing/2014/chartex" xmlns:wpc="http://schemas.microsoft.com/office/word/2010/wordprocessingCanvas" val="1"/>
             </a:ext>
           </a:extLst>
         </p:spPr>
@@ -39820,7 +39820,7 @@
           </a:prstGeom>
           <a:extLst>
             <a:ext uri="{FAA26D3D-D897-4be2-8F04-BA451C77F1D7}">
-              <ma14:placeholderFlag xmlns:wpc="http://schemas.microsoft.com/office/word/2010/wordprocessingCanvas" xmlns:cx="http://schemas.microsoft.com/office/drawing/2014/chartex" xmlns:mc="http://schemas.openxmlformats.org/markup-compatibility/2006" xmlns:m="http://schemas.openxmlformats.org/officeDocument/2006/math" xmlns:wp14="http://schemas.microsoft.com/office/word/2010/wordprocessingDrawing" xmlns:wp="http://schemas.openxmlformats.org/drawingml/2006/wordprocessingDrawing" xmlns:w14="http://schemas.microsoft.com/office/word/2010/wordml" xmlns:w15="http://schemas.microsoft.com/office/word/2012/wordml" xmlns:w16se="http://schemas.microsoft.com/office/word/2015/wordml/symex" xmlns:wpg="http://schemas.microsoft.com/office/word/2010/wordprocessingGroup" xmlns:wpi="http://schemas.microsoft.com/office/word/2010/wordprocessingInk" xmlns:wne="http://schemas.microsoft.com/office/word/2006/wordml" xmlns:wps="http://schemas.microsoft.com/office/word/2010/wordprocessingShape" xmlns:pic="http://schemas.openxmlformats.org/drawingml/2006/picture" xmlns:cx1="http://schemas.microsoft.com/office/drawing/2015/9/8/chartex" xmlns:cx2="http://schemas.microsoft.com/office/drawing/2015/10/21/chartex" xmlns:cx3="http://schemas.microsoft.com/office/drawing/2016/5/9/chartex" xmlns:cx4="http://schemas.microsoft.com/office/drawing/2016/5/10/chartex" xmlns:cx5="http://schemas.microsoft.com/office/drawing/2016/5/11/chartex" xmlns:cx6="http://schemas.microsoft.com/office/drawing/2016/5/12/chartex" xmlns:cx7="http://schemas.microsoft.com/office/drawing/2016/5/13/chartex" xmlns:cx8="http://schemas.microsoft.com/office/drawing/2016/5/14/chartex" xmlns:aink="http://schemas.microsoft.com/office/drawing/2016/ink" xmlns:am3d="http://schemas.microsoft.com/office/drawing/2017/model3d" xmlns:w16cex="http://schemas.microsoft.com/office/word/2018/wordml/cex" xmlns:w16cid="http://schemas.microsoft.com/office/word/2016/wordml/cid" xmlns:w16="http://schemas.microsoft.com/office/word/2018/wordml" xmlns:ma14="http://schemas.microsoft.com/office/mac/drawingml/2011/main" xmlns:w="http://schemas.openxmlformats.org/wordprocessingml/2006/main" xmlns:w10="urn:schemas-microsoft-com:office:word" xmlns:v="urn:schemas-microsoft-com:vml" xmlns:o="urn:schemas-microsoft-com:office:office" xmlns:mv="urn:schemas-microsoft-com:mac:vml" xmlns:mo="http://schemas.microsoft.com/office/mac/office/2008/main" xmlns="" xmlns:lc="http://schemas.openxmlformats.org/drawingml/2006/lockedCanvas" val="1"/>
+              <ma14:placeholderFlag xmlns:lc="http://schemas.openxmlformats.org/drawingml/2006/lockedCanvas" xmlns="" xmlns:mo="http://schemas.microsoft.com/office/mac/office/2008/main" xmlns:mv="urn:schemas-microsoft-com:mac:vml" xmlns:o="urn:schemas-microsoft-com:office:office" xmlns:v="urn:schemas-microsoft-com:vml" xmlns:w10="urn:schemas-microsoft-com:office:word" xmlns:w="http://schemas.openxmlformats.org/wordprocessingml/2006/main" xmlns:ma14="http://schemas.microsoft.com/office/mac/drawingml/2011/main" xmlns:w16="http://schemas.microsoft.com/office/word/2018/wordml" xmlns:w16cid="http://schemas.microsoft.com/office/word/2016/wordml/cid" xmlns:w16cex="http://schemas.microsoft.com/office/word/2018/wordml/cex" xmlns:am3d="http://schemas.microsoft.com/office/drawing/2017/model3d" xmlns:aink="http://schemas.microsoft.com/office/drawing/2016/ink" xmlns:cx8="http://schemas.microsoft.com/office/drawing/2016/5/14/chartex" xmlns:cx7="http://schemas.microsoft.com/office/drawing/2016/5/13/chartex" xmlns:cx6="http://schemas.microsoft.com/office/drawing/2016/5/12/chartex" xmlns:cx5="http://schemas.microsoft.com/office/drawing/2016/5/11/chartex" xmlns:cx4="http://schemas.microsoft.com/office/drawing/2016/5/10/chartex" xmlns:cx3="http://schemas.microsoft.com/office/drawing/2016/5/9/chartex" xmlns:cx2="http://schemas.microsoft.com/office/drawing/2015/10/21/chartex" xmlns:cx1="http://schemas.microsoft.com/office/drawing/2015/9/8/chartex" xmlns:pic="http://schemas.openxmlformats.org/drawingml/2006/picture" xmlns:wps="http://schemas.microsoft.com/office/word/2010/wordprocessingShape" xmlns:wne="http://schemas.microsoft.com/office/word/2006/wordml" xmlns:wpi="http://schemas.microsoft.com/office/word/2010/wordprocessingInk" xmlns:wpg="http://schemas.microsoft.com/office/word/2010/wordprocessingGroup" xmlns:w16se="http://schemas.microsoft.com/office/word/2015/wordml/symex" xmlns:w15="http://schemas.microsoft.com/office/word/2012/wordml" xmlns:w14="http://schemas.microsoft.com/office/word/2010/wordml" xmlns:wp="http://schemas.openxmlformats.org/drawingml/2006/wordprocessingDrawing" xmlns:wp14="http://schemas.microsoft.com/office/word/2010/wordprocessingDrawing" xmlns:m="http://schemas.openxmlformats.org/officeDocument/2006/math" xmlns:mc="http://schemas.openxmlformats.org/markup-compatibility/2006" xmlns:cx="http://schemas.microsoft.com/office/drawing/2014/chartex" xmlns:wpc="http://schemas.microsoft.com/office/word/2010/wordprocessingCanvas" val="1"/>
             </a:ext>
           </a:extLst>
         </p:spPr>
